--- a/강의/Lecture4.pptx
+++ b/강의/Lecture4.pptx
@@ -5,7 +5,7 @@
     <p:sldMasterId id="2147483648" r:id="rId1"/>
   </p:sldMasterIdLst>
   <p:notesMasterIdLst>
-    <p:notesMasterId r:id="rId36"/>
+    <p:notesMasterId r:id="rId37"/>
   </p:notesMasterIdLst>
   <p:sldIdLst>
     <p:sldId id="256" r:id="rId2"/>
@@ -31,17 +31,18 @@
     <p:sldId id="356" r:id="rId22"/>
     <p:sldId id="357" r:id="rId23"/>
     <p:sldId id="366" r:id="rId24"/>
-    <p:sldId id="343" r:id="rId25"/>
-    <p:sldId id="339" r:id="rId26"/>
-    <p:sldId id="358" r:id="rId27"/>
-    <p:sldId id="359" r:id="rId28"/>
-    <p:sldId id="360" r:id="rId29"/>
-    <p:sldId id="361" r:id="rId30"/>
-    <p:sldId id="362" r:id="rId31"/>
-    <p:sldId id="363" r:id="rId32"/>
-    <p:sldId id="364" r:id="rId33"/>
-    <p:sldId id="365" r:id="rId34"/>
-    <p:sldId id="281" r:id="rId35"/>
+    <p:sldId id="367" r:id="rId25"/>
+    <p:sldId id="343" r:id="rId26"/>
+    <p:sldId id="339" r:id="rId27"/>
+    <p:sldId id="358" r:id="rId28"/>
+    <p:sldId id="359" r:id="rId29"/>
+    <p:sldId id="360" r:id="rId30"/>
+    <p:sldId id="361" r:id="rId31"/>
+    <p:sldId id="362" r:id="rId32"/>
+    <p:sldId id="363" r:id="rId33"/>
+    <p:sldId id="364" r:id="rId34"/>
+    <p:sldId id="365" r:id="rId35"/>
+    <p:sldId id="281" r:id="rId36"/>
   </p:sldIdLst>
   <p:sldSz cx="12192000" cy="6858000"/>
   <p:notesSz cx="6858000" cy="9144000"/>
@@ -241,7 +242,7 @@
           <a:p>
             <a:fld id="{63A8C7BE-EE36-44DC-8DE2-54CEB92E8F58}" type="datetimeFigureOut">
               <a:rPr lang="ko-KR" altLang="en-US" smtClean="0"/>
-              <a:t>2019-04-08</a:t>
+              <a:t>2019-04-10</a:t>
             </a:fld>
             <a:endParaRPr lang="ko-KR" altLang="en-US"/>
           </a:p>
@@ -868,7 +869,7 @@
           <a:p>
             <a:fld id="{FB30EDBD-1C2D-4C1E-B459-B60219FAB484}" type="datetimeFigureOut">
               <a:rPr lang="ko-KR" altLang="en-US" smtClean="0"/>
-              <a:t>2019-04-08</a:t>
+              <a:t>2019-04-10</a:t>
             </a:fld>
             <a:endParaRPr lang="ko-KR" altLang="en-US"/>
           </a:p>
@@ -1033,7 +1034,7 @@
           <a:p>
             <a:fld id="{FB30EDBD-1C2D-4C1E-B459-B60219FAB484}" type="datetimeFigureOut">
               <a:rPr lang="ko-KR" altLang="en-US" smtClean="0"/>
-              <a:t>2019-04-08</a:t>
+              <a:t>2019-04-10</a:t>
             </a:fld>
             <a:endParaRPr lang="ko-KR" altLang="en-US"/>
           </a:p>
@@ -1208,7 +1209,7 @@
           <a:p>
             <a:fld id="{FB30EDBD-1C2D-4C1E-B459-B60219FAB484}" type="datetimeFigureOut">
               <a:rPr lang="ko-KR" altLang="en-US" smtClean="0"/>
-              <a:t>2019-04-08</a:t>
+              <a:t>2019-04-10</a:t>
             </a:fld>
             <a:endParaRPr lang="ko-KR" altLang="en-US"/>
           </a:p>
@@ -1373,7 +1374,7 @@
           <a:p>
             <a:fld id="{FB30EDBD-1C2D-4C1E-B459-B60219FAB484}" type="datetimeFigureOut">
               <a:rPr lang="ko-KR" altLang="en-US" smtClean="0"/>
-              <a:t>2019-04-08</a:t>
+              <a:t>2019-04-10</a:t>
             </a:fld>
             <a:endParaRPr lang="ko-KR" altLang="en-US"/>
           </a:p>
@@ -1614,7 +1615,7 @@
           <a:p>
             <a:fld id="{FB30EDBD-1C2D-4C1E-B459-B60219FAB484}" type="datetimeFigureOut">
               <a:rPr lang="ko-KR" altLang="en-US" smtClean="0"/>
-              <a:t>2019-04-08</a:t>
+              <a:t>2019-04-10</a:t>
             </a:fld>
             <a:endParaRPr lang="ko-KR" altLang="en-US"/>
           </a:p>
@@ -1897,7 +1898,7 @@
           <a:p>
             <a:fld id="{FB30EDBD-1C2D-4C1E-B459-B60219FAB484}" type="datetimeFigureOut">
               <a:rPr lang="ko-KR" altLang="en-US" smtClean="0"/>
-              <a:t>2019-04-08</a:t>
+              <a:t>2019-04-10</a:t>
             </a:fld>
             <a:endParaRPr lang="ko-KR" altLang="en-US"/>
           </a:p>
@@ -2314,7 +2315,7 @@
           <a:p>
             <a:fld id="{FB30EDBD-1C2D-4C1E-B459-B60219FAB484}" type="datetimeFigureOut">
               <a:rPr lang="ko-KR" altLang="en-US" smtClean="0"/>
-              <a:t>2019-04-08</a:t>
+              <a:t>2019-04-10</a:t>
             </a:fld>
             <a:endParaRPr lang="ko-KR" altLang="en-US"/>
           </a:p>
@@ -2427,7 +2428,7 @@
           <a:p>
             <a:fld id="{FB30EDBD-1C2D-4C1E-B459-B60219FAB484}" type="datetimeFigureOut">
               <a:rPr lang="ko-KR" altLang="en-US" smtClean="0"/>
-              <a:t>2019-04-08</a:t>
+              <a:t>2019-04-10</a:t>
             </a:fld>
             <a:endParaRPr lang="ko-KR" altLang="en-US"/>
           </a:p>
@@ -2517,7 +2518,7 @@
           <a:p>
             <a:fld id="{FB30EDBD-1C2D-4C1E-B459-B60219FAB484}" type="datetimeFigureOut">
               <a:rPr lang="ko-KR" altLang="en-US" smtClean="0"/>
-              <a:t>2019-04-08</a:t>
+              <a:t>2019-04-10</a:t>
             </a:fld>
             <a:endParaRPr lang="ko-KR" altLang="en-US"/>
           </a:p>
@@ -2789,7 +2790,7 @@
           <a:p>
             <a:fld id="{FB30EDBD-1C2D-4C1E-B459-B60219FAB484}" type="datetimeFigureOut">
               <a:rPr lang="ko-KR" altLang="en-US" smtClean="0"/>
-              <a:t>2019-04-08</a:t>
+              <a:t>2019-04-10</a:t>
             </a:fld>
             <a:endParaRPr lang="ko-KR" altLang="en-US"/>
           </a:p>
@@ -3037,7 +3038,7 @@
           <a:p>
             <a:fld id="{FB30EDBD-1C2D-4C1E-B459-B60219FAB484}" type="datetimeFigureOut">
               <a:rPr lang="ko-KR" altLang="en-US" smtClean="0"/>
-              <a:t>2019-04-08</a:t>
+              <a:t>2019-04-10</a:t>
             </a:fld>
             <a:endParaRPr lang="ko-KR" altLang="en-US"/>
           </a:p>
@@ -3245,7 +3246,7 @@
           <a:p>
             <a:fld id="{FB30EDBD-1C2D-4C1E-B459-B60219FAB484}" type="datetimeFigureOut">
               <a:rPr lang="ko-KR" altLang="en-US" smtClean="0"/>
-              <a:t>2019-04-08</a:t>
+              <a:t>2019-04-10</a:t>
             </a:fld>
             <a:endParaRPr lang="ko-KR" altLang="en-US"/>
           </a:p>
@@ -4533,7 +4534,6 @@
               <a:rPr lang="ko-KR" altLang="en-US" dirty="0"/>
               <a:t>의 입출력을 지정해야 함</a:t>
             </a:r>
-            <a:endParaRPr lang="ko-KR" altLang="en-US" dirty="0"/>
           </a:p>
         </p:txBody>
       </p:sp>
@@ -5088,11 +5088,7 @@
             <a:pPr algn="ctr"/>
             <a:r>
               <a:rPr lang="ko-KR" altLang="en-US"/>
-              <a:t>주</a:t>
-            </a:r>
-            <a:r>
-              <a:rPr lang="ko-KR" altLang="en-US"/>
-              <a:t>의</a:t>
+              <a:t>주의</a:t>
             </a:r>
           </a:p>
         </p:txBody>
@@ -11398,11 +11394,7 @@
           <a:p>
             <a:r>
               <a:rPr lang="en-US" altLang="ko-KR" dirty="0"/>
-              <a:t>uniform float Time</a:t>
-            </a:r>
-            <a:r>
-              <a:rPr lang="en-US" altLang="ko-KR" dirty="0"/>
-              <a:t>; </a:t>
+              <a:t>uniform float Time; </a:t>
             </a:r>
             <a:r>
               <a:rPr lang="ko-KR" altLang="en-US" dirty="0"/>
@@ -12556,15 +12548,7 @@
             <a:pPr latinLnBrk="0"/>
             <a:r>
               <a:rPr lang="ko-KR" altLang="en-US" dirty="0"/>
-              <a:t>내</a:t>
-            </a:r>
-            <a:r>
-              <a:rPr lang="ko-KR" altLang="en-US" dirty="0"/>
-              <a:t>부</a:t>
-            </a:r>
-            <a:r>
-              <a:rPr lang="ko-KR" altLang="en-US" dirty="0"/>
-              <a:t>에서</a:t>
+              <a:t>내부에서</a:t>
             </a:r>
             <a:r>
               <a:rPr lang="en-US" altLang="ko-KR" dirty="0"/>
@@ -15551,6 +15535,187 @@
       </p:grpSpPr>
       <p:sp>
         <p:nvSpPr>
+          <p:cNvPr id="2" name="제목 1"/>
+          <p:cNvSpPr>
+            <a:spLocks noGrp="1"/>
+          </p:cNvSpPr>
+          <p:nvPr>
+            <p:ph type="title"/>
+          </p:nvPr>
+        </p:nvSpPr>
+        <p:spPr/>
+        <p:txBody>
+          <a:bodyPr/>
+          <a:lstStyle/>
+          <a:p>
+            <a:r>
+              <a:rPr lang="ko-KR" altLang="en-US" dirty="0"/>
+              <a:t>실습</a:t>
+            </a:r>
+          </a:p>
+        </p:txBody>
+      </p:sp>
+      <p:sp>
+        <p:nvSpPr>
+          <p:cNvPr id="3" name="내용 개체 틀 2"/>
+          <p:cNvSpPr>
+            <a:spLocks noGrp="1"/>
+          </p:cNvSpPr>
+          <p:nvPr>
+            <p:ph idx="1"/>
+          </p:nvPr>
+        </p:nvSpPr>
+        <p:spPr/>
+        <p:txBody>
+          <a:bodyPr>
+            <a:normAutofit fontScale="92500" lnSpcReduction="20000"/>
+          </a:bodyPr>
+          <a:lstStyle/>
+          <a:p>
+            <a:r>
+              <a:rPr lang="ko-KR" altLang="en-US" dirty="0" smtClean="0"/>
+              <a:t>화면에 커다란 사각형 그리기 </a:t>
+            </a:r>
+            <a:r>
+              <a:rPr lang="en-US" altLang="ko-KR" dirty="0" smtClean="0"/>
+              <a:t>(</a:t>
+            </a:r>
+            <a:r>
+              <a:rPr lang="ko-KR" altLang="en-US" dirty="0" smtClean="0"/>
+              <a:t>색은 흰색으로</a:t>
+            </a:r>
+            <a:r>
+              <a:rPr lang="en-US" altLang="ko-KR" dirty="0" smtClean="0"/>
+              <a:t>)</a:t>
+            </a:r>
+          </a:p>
+          <a:p>
+            <a:pPr lvl="1"/>
+            <a:r>
+              <a:rPr lang="en-US" altLang="ko-KR" dirty="0" smtClean="0"/>
+              <a:t>Min(-0.5, -0.5), Max(0.5, 0.5)</a:t>
+            </a:r>
+          </a:p>
+          <a:p>
+            <a:endParaRPr lang="en-US" altLang="ko-KR" dirty="0"/>
+          </a:p>
+          <a:p>
+            <a:r>
+              <a:rPr lang="en-US" altLang="ko-KR" dirty="0" smtClean="0"/>
+              <a:t>Varying </a:t>
+            </a:r>
+            <a:r>
+              <a:rPr lang="ko-KR" altLang="en-US" dirty="0" smtClean="0"/>
+              <a:t>값을 사용하여 </a:t>
+            </a:r>
+            <a:r>
+              <a:rPr lang="en-US" altLang="ko-KR" dirty="0" smtClean="0"/>
+              <a:t>Interpolation </a:t>
+            </a:r>
+            <a:r>
+              <a:rPr lang="ko-KR" altLang="en-US" dirty="0" smtClean="0"/>
+              <a:t>과정 이해</a:t>
+            </a:r>
+            <a:endParaRPr lang="en-US" altLang="ko-KR" dirty="0" smtClean="0"/>
+          </a:p>
+          <a:p>
+            <a:pPr lvl="1"/>
+            <a:r>
+              <a:rPr lang="ko-KR" altLang="en-US" dirty="0" smtClean="0"/>
+              <a:t>버텍스 </a:t>
+            </a:r>
+            <a:r>
+              <a:rPr lang="ko-KR" altLang="en-US" dirty="0" err="1" smtClean="0"/>
+              <a:t>셰이더</a:t>
+            </a:r>
+            <a:r>
+              <a:rPr lang="ko-KR" altLang="en-US" dirty="0" smtClean="0"/>
+              <a:t> 출력 값 변화시켜 보기</a:t>
+            </a:r>
+            <a:endParaRPr lang="en-US" altLang="ko-KR" dirty="0" smtClean="0"/>
+          </a:p>
+          <a:p>
+            <a:pPr lvl="1"/>
+            <a:r>
+              <a:rPr lang="ko-KR" altLang="en-US" dirty="0" smtClean="0"/>
+              <a:t>내부가 채워진 원 그려보기</a:t>
+            </a:r>
+            <a:endParaRPr lang="en-US" altLang="ko-KR" dirty="0" smtClean="0"/>
+          </a:p>
+          <a:p>
+            <a:pPr lvl="1"/>
+            <a:r>
+              <a:rPr lang="ko-KR" altLang="en-US" dirty="0" smtClean="0"/>
+              <a:t>내부가</a:t>
+            </a:r>
+            <a:r>
+              <a:rPr lang="en-US" altLang="ko-KR" dirty="0" smtClean="0"/>
+              <a:t> </a:t>
+            </a:r>
+            <a:r>
+              <a:rPr lang="ko-KR" altLang="en-US" dirty="0" smtClean="0"/>
+              <a:t>빈 원 그려보기</a:t>
+            </a:r>
+            <a:endParaRPr lang="en-US" altLang="ko-KR" dirty="0" smtClean="0"/>
+          </a:p>
+          <a:p>
+            <a:pPr lvl="1"/>
+            <a:r>
+              <a:rPr lang="ko-KR" altLang="en-US" dirty="0" smtClean="0"/>
+              <a:t>여러 개의 동심원 그려보기</a:t>
+            </a:r>
+            <a:endParaRPr lang="en-US" altLang="ko-KR" dirty="0" smtClean="0"/>
+          </a:p>
+          <a:p>
+            <a:pPr lvl="1"/>
+            <a:r>
+              <a:rPr lang="ko-KR" altLang="en-US" dirty="0" smtClean="0"/>
+              <a:t>특정 지점에 원 그려보기</a:t>
+            </a:r>
+            <a:endParaRPr lang="en-US" altLang="ko-KR" dirty="0" smtClean="0"/>
+          </a:p>
+          <a:p>
+            <a:pPr lvl="1"/>
+            <a:r>
+              <a:rPr lang="ko-KR" altLang="en-US" dirty="0" smtClean="0"/>
+              <a:t>레이더 구현해 보기</a:t>
+            </a:r>
+            <a:endParaRPr lang="en-US" altLang="ko-KR" dirty="0" smtClean="0"/>
+          </a:p>
+        </p:txBody>
+      </p:sp>
+    </p:spTree>
+    <p:extLst>
+      <p:ext uri="{BB962C8B-B14F-4D97-AF65-F5344CB8AC3E}">
+        <p14:creationId xmlns:p14="http://schemas.microsoft.com/office/powerpoint/2010/main" val="96518563"/>
+      </p:ext>
+    </p:extLst>
+  </p:cSld>
+  <p:clrMapOvr>
+    <a:masterClrMapping/>
+  </p:clrMapOvr>
+</p:sld>
+</file>
+
+<file path=ppt/slides/slide25.xml><?xml version="1.0" encoding="utf-8"?>
+<p:sld xmlns:a="http://schemas.openxmlformats.org/drawingml/2006/main" xmlns:r="http://schemas.openxmlformats.org/officeDocument/2006/relationships" xmlns:p="http://schemas.openxmlformats.org/presentationml/2006/main">
+  <p:cSld>
+    <p:spTree>
+      <p:nvGrpSpPr>
+        <p:cNvPr id="1" name=""/>
+        <p:cNvGrpSpPr/>
+        <p:nvPr/>
+      </p:nvGrpSpPr>
+      <p:grpSpPr>
+        <a:xfrm>
+          <a:off x="0" y="0"/>
+          <a:ext cx="0" cy="0"/>
+          <a:chOff x="0" y="0"/>
+          <a:chExt cx="0" cy="0"/>
+        </a:xfrm>
+      </p:grpSpPr>
+      <p:sp>
+        <p:nvSpPr>
           <p:cNvPr id="4" name="제목 3"/>
           <p:cNvSpPr>
             <a:spLocks noGrp="1"/>
@@ -15623,7 +15788,7 @@
 </p:sld>
 </file>
 
-<file path=ppt/slides/slide25.xml><?xml version="1.0" encoding="utf-8"?>
+<file path=ppt/slides/slide26.xml><?xml version="1.0" encoding="utf-8"?>
 <p:sld xmlns:a="http://schemas.openxmlformats.org/drawingml/2006/main" xmlns:r="http://schemas.openxmlformats.org/officeDocument/2006/relationships" xmlns:p="http://schemas.openxmlformats.org/presentationml/2006/main">
   <p:cSld>
     <p:spTree>
@@ -15729,11 +15894,7 @@
             </a:r>
             <a:r>
               <a:rPr lang="en-US" altLang="ko-KR" dirty="0"/>
-              <a:t>, "Position</a:t>
-            </a:r>
-            <a:r>
-              <a:rPr lang="en-US" altLang="ko-KR" dirty="0"/>
-              <a:t>");</a:t>
+              <a:t>, "Position");</a:t>
             </a:r>
           </a:p>
           <a:p>
@@ -15768,11 +15929,7 @@
             </a:r>
             <a:r>
               <a:rPr lang="en-US" altLang="ko-KR" dirty="0"/>
-              <a:t>, </a:t>
-            </a:r>
-            <a:r>
-              <a:rPr lang="en-US" altLang="ko-KR" dirty="0"/>
-              <a:t>“Color");</a:t>
+              <a:t>, “Color");</a:t>
             </a:r>
           </a:p>
           <a:p>
@@ -15826,15 +15983,7 @@
             </a:r>
             <a:r>
               <a:rPr lang="en-US" altLang="ko-KR" dirty="0"/>
-              <a:t>(GL_ARRAY_BUFFER</a:t>
-            </a:r>
-            <a:r>
-              <a:rPr lang="en-US" altLang="ko-KR" dirty="0"/>
-              <a:t>, VBO</a:t>
-            </a:r>
-            <a:r>
-              <a:rPr lang="en-US" altLang="ko-KR" dirty="0"/>
-              <a:t>); //</a:t>
+              <a:t>(GL_ARRAY_BUFFER, VBO); //</a:t>
             </a:r>
             <a:r>
               <a:rPr lang="en-US" altLang="ko-KR" dirty="0">
@@ -15875,11 +16024,7 @@
             </a:r>
             <a:r>
               <a:rPr lang="en-US" altLang="ko-KR" dirty="0"/>
-              <a:t>, </a:t>
-            </a:r>
-            <a:r>
-              <a:rPr lang="en-US" altLang="ko-KR" dirty="0"/>
-              <a:t>GL_FLOAT, GL_FALSE, </a:t>
+              <a:t>, GL_FLOAT, GL_FALSE, </a:t>
             </a:r>
             <a:r>
               <a:rPr lang="en-US" altLang="ko-KR" dirty="0">
@@ -15891,17 +16036,8 @@
             </a:r>
             <a:r>
               <a:rPr lang="en-US" altLang="ko-KR" dirty="0"/>
-              <a:t>, </a:t>
-            </a:r>
-            <a:r>
-              <a:rPr lang="en-US" altLang="ko-KR" dirty="0"/>
-              <a:t>0</a:t>
-            </a:r>
-            <a:r>
-              <a:rPr lang="en-US" altLang="ko-KR" dirty="0"/>
-              <a:t>);</a:t>
-            </a:r>
-            <a:endParaRPr lang="en-US" altLang="ko-KR" dirty="0"/>
+              <a:t>, 0);</a:t>
+            </a:r>
           </a:p>
           <a:p>
             <a:r>
@@ -15930,11 +16066,7 @@
             </a:r>
             <a:r>
               <a:rPr lang="en-US" altLang="ko-KR" dirty="0"/>
-              <a:t>, </a:t>
-            </a:r>
-            <a:r>
-              <a:rPr lang="en-US" altLang="ko-KR" dirty="0"/>
-              <a:t>GL_FLOAT, GL_FALSE, </a:t>
+              <a:t>, GL_FLOAT, GL_FALSE, </a:t>
             </a:r>
             <a:r>
               <a:rPr lang="en-US" altLang="ko-KR" dirty="0">
@@ -15946,17 +16078,8 @@
             </a:r>
             <a:r>
               <a:rPr lang="en-US" altLang="ko-KR" dirty="0"/>
-              <a:t>, </a:t>
-            </a:r>
-            <a:r>
-              <a:rPr lang="en-US" altLang="ko-KR" dirty="0"/>
-              <a:t>0</a:t>
-            </a:r>
-            <a:r>
-              <a:rPr lang="en-US" altLang="ko-KR" dirty="0"/>
-              <a:t>);</a:t>
-            </a:r>
-            <a:endParaRPr lang="en-US" altLang="ko-KR" dirty="0"/>
+              <a:t>, 0);</a:t>
+            </a:r>
           </a:p>
         </p:txBody>
       </p:sp>
@@ -16374,7 +16497,7 @@
 </p:sld>
 </file>
 
-<file path=ppt/slides/slide26.xml><?xml version="1.0" encoding="utf-8"?>
+<file path=ppt/slides/slide27.xml><?xml version="1.0" encoding="utf-8"?>
 <p:sld xmlns:a="http://schemas.openxmlformats.org/drawingml/2006/main" xmlns:r="http://schemas.openxmlformats.org/officeDocument/2006/relationships" xmlns:p="http://schemas.openxmlformats.org/presentationml/2006/main">
   <p:cSld>
     <p:spTree>
@@ -16785,8 +16908,8 @@
           </a:fontRef>
         </p:style>
       </p:cxnSp>
-      <mc:AlternateContent xmlns:mc="http://schemas.openxmlformats.org/markup-compatibility/2006">
-        <mc:Choice xmlns:a14="http://schemas.microsoft.com/office/drawing/2010/main" Requires="a14">
+      <mc:AlternateContent xmlns:mc="http://schemas.openxmlformats.org/markup-compatibility/2006" xmlns:a14="http://schemas.microsoft.com/office/drawing/2010/main">
+        <mc:Choice Requires="a14">
           <p:sp>
             <p:nvSpPr>
               <p:cNvPr id="29" name="TextBox 28"/>
@@ -16849,7 +16972,7 @@
             </p:txBody>
           </p:sp>
         </mc:Choice>
-        <mc:Fallback>
+        <mc:Fallback xmlns="">
           <p:sp>
             <p:nvSpPr>
               <p:cNvPr id="29" name="TextBox 28"/>
@@ -16888,8 +17011,8 @@
           </p:sp>
         </mc:Fallback>
       </mc:AlternateContent>
-      <mc:AlternateContent xmlns:mc="http://schemas.openxmlformats.org/markup-compatibility/2006">
-        <mc:Choice xmlns:a14="http://schemas.microsoft.com/office/drawing/2010/main" Requires="a14">
+      <mc:AlternateContent xmlns:mc="http://schemas.openxmlformats.org/markup-compatibility/2006" xmlns:a14="http://schemas.microsoft.com/office/drawing/2010/main">
+        <mc:Choice Requires="a14">
           <p:sp>
             <p:nvSpPr>
               <p:cNvPr id="30" name="TextBox 29"/>
@@ -16952,7 +17075,7 @@
             </p:txBody>
           </p:sp>
         </mc:Choice>
-        <mc:Fallback>
+        <mc:Fallback xmlns="">
           <p:sp>
             <p:nvSpPr>
               <p:cNvPr id="30" name="TextBox 29"/>
@@ -16991,8 +17114,8 @@
           </p:sp>
         </mc:Fallback>
       </mc:AlternateContent>
-      <mc:AlternateContent xmlns:mc="http://schemas.openxmlformats.org/markup-compatibility/2006">
-        <mc:Choice xmlns:a14="http://schemas.microsoft.com/office/drawing/2010/main" Requires="a14">
+      <mc:AlternateContent xmlns:mc="http://schemas.openxmlformats.org/markup-compatibility/2006" xmlns:a14="http://schemas.microsoft.com/office/drawing/2010/main">
+        <mc:Choice Requires="a14">
           <p:sp>
             <p:nvSpPr>
               <p:cNvPr id="31" name="TextBox 30"/>
@@ -17055,7 +17178,7 @@
             </p:txBody>
           </p:sp>
         </mc:Choice>
-        <mc:Fallback>
+        <mc:Fallback xmlns="">
           <p:sp>
             <p:nvSpPr>
               <p:cNvPr id="31" name="TextBox 30"/>
@@ -17508,7 +17631,7 @@
 </p:sld>
 </file>
 
-<file path=ppt/slides/slide27.xml><?xml version="1.0" encoding="utf-8"?>
+<file path=ppt/slides/slide28.xml><?xml version="1.0" encoding="utf-8"?>
 <p:sld xmlns:a="http://schemas.openxmlformats.org/drawingml/2006/main" xmlns:r="http://schemas.openxmlformats.org/officeDocument/2006/relationships" xmlns:p="http://schemas.openxmlformats.org/presentationml/2006/main">
   <p:cSld>
     <p:spTree>
@@ -17788,11 +17911,7 @@
             </a:r>
             <a:r>
               <a:rPr lang="en-US" altLang="ko-KR" dirty="0"/>
-              <a:t>[21] </a:t>
-            </a:r>
-            <a:r>
-              <a:rPr lang="en-US" altLang="ko-KR" dirty="0"/>
-              <a:t>= {</a:t>
+              <a:t>[21] = {</a:t>
             </a:r>
             <a:r>
               <a:rPr lang="en-US" altLang="ko-KR" dirty="0">
@@ -17808,7 +17927,15 @@
                   <a:srgbClr val="FF0000"/>
                 </a:solidFill>
               </a:rPr>
-              <a:t>1.0, 1.0, 1.0, </a:t>
+              <a:t>1.0, 1.0, 1.0, 1.0, </a:t>
+            </a:r>
+            <a:r>
+              <a:rPr lang="en-US" altLang="ko-KR" dirty="0">
+                <a:solidFill>
+                  <a:srgbClr val="0070C0"/>
+                </a:solidFill>
+              </a:rPr>
+              <a:t>-1.0, -1.0, 0.0, </a:t>
             </a:r>
             <a:r>
               <a:rPr lang="en-US" altLang="ko-KR" dirty="0">
@@ -17816,15 +17943,7 @@
                   <a:srgbClr val="FF0000"/>
                 </a:solidFill>
               </a:rPr>
-              <a:t>1.0, </a:t>
-            </a:r>
-            <a:r>
-              <a:rPr lang="en-US" altLang="ko-KR" dirty="0">
-                <a:solidFill>
-                  <a:srgbClr val="0070C0"/>
-                </a:solidFill>
-              </a:rPr>
-              <a:t>-</a:t>
+              <a:t>1.0, 0.0, 0.0, 1.0, </a:t>
             </a:r>
             <a:r>
               <a:rPr lang="en-US" altLang="ko-KR" dirty="0">
@@ -17840,7 +17959,56 @@
                   <a:srgbClr val="FF0000"/>
                 </a:solidFill>
               </a:rPr>
-              <a:t>1.0, 0.0, 0.0, </a:t>
+              <a:t>0.0, 0.0, 1.0, 1.0</a:t>
+            </a:r>
+            <a:r>
+              <a:rPr lang="en-US" altLang="ko-KR" dirty="0"/>
+              <a:t>};</a:t>
+            </a:r>
+          </a:p>
+          <a:p>
+            <a:pPr lvl="1" latinLnBrk="0"/>
+            <a:endParaRPr lang="en-US" altLang="ko-KR" dirty="0"/>
+          </a:p>
+          <a:p>
+            <a:pPr marL="342900" indent="-342900" latinLnBrk="0">
+              <a:buAutoNum type="arabicPeriod"/>
+            </a:pPr>
+            <a:r>
+              <a:rPr lang="ko-KR" altLang="en-US" dirty="0"/>
+              <a:t>합친</a:t>
+            </a:r>
+            <a:r>
+              <a:rPr lang="en-US" altLang="ko-KR" dirty="0"/>
+              <a:t> Array </a:t>
+            </a:r>
+            <a:r>
+              <a:rPr lang="ko-KR" altLang="en-US" dirty="0"/>
+              <a:t>생성</a:t>
+            </a:r>
+            <a:endParaRPr lang="en-US" altLang="ko-KR" dirty="0"/>
+          </a:p>
+          <a:p>
+            <a:pPr lvl="1" latinLnBrk="0"/>
+            <a:r>
+              <a:rPr lang="en-US" altLang="ko-KR" dirty="0"/>
+              <a:t>float </a:t>
+            </a:r>
+            <a:r>
+              <a:rPr lang="en-US" altLang="ko-KR" dirty="0" err="1"/>
+              <a:t>PositionColor</a:t>
+            </a:r>
+            <a:r>
+              <a:rPr lang="en-US" altLang="ko-KR" dirty="0"/>
+              <a:t>[21] = {</a:t>
+            </a:r>
+            <a:r>
+              <a:rPr lang="en-US" altLang="ko-KR" dirty="0">
+                <a:solidFill>
+                  <a:srgbClr val="0070C0"/>
+                </a:solidFill>
+              </a:rPr>
+              <a:t>0.0, 1.0, 0.0, -1.0, -1.0, 0.0, 1.0, -1.0, 0.0, </a:t>
             </a:r>
             <a:r>
               <a:rPr lang="en-US" altLang="ko-KR" dirty="0">
@@ -17848,158 +18016,12 @@
                   <a:srgbClr val="FF0000"/>
                 </a:solidFill>
               </a:rPr>
-              <a:t>1.0, </a:t>
-            </a:r>
-            <a:r>
-              <a:rPr lang="en-US" altLang="ko-KR" dirty="0">
-                <a:solidFill>
-                  <a:srgbClr val="0070C0"/>
-                </a:solidFill>
-              </a:rPr>
-              <a:t>1.0</a:t>
-            </a:r>
-            <a:r>
-              <a:rPr lang="en-US" altLang="ko-KR" dirty="0">
-                <a:solidFill>
-                  <a:srgbClr val="0070C0"/>
-                </a:solidFill>
-              </a:rPr>
-              <a:t>, -1.0, </a:t>
-            </a:r>
-            <a:r>
-              <a:rPr lang="en-US" altLang="ko-KR" dirty="0">
-                <a:solidFill>
-                  <a:srgbClr val="0070C0"/>
-                </a:solidFill>
-              </a:rPr>
-              <a:t>0.0,</a:t>
-            </a:r>
-            <a:r>
-              <a:rPr lang="en-US" altLang="ko-KR" dirty="0">
-                <a:solidFill>
-                  <a:srgbClr val="0070C0"/>
-                </a:solidFill>
-              </a:rPr>
-              <a:t> </a:t>
-            </a:r>
-            <a:r>
-              <a:rPr lang="en-US" altLang="ko-KR" dirty="0">
-                <a:solidFill>
-                  <a:srgbClr val="FF0000"/>
-                </a:solidFill>
-              </a:rPr>
-              <a:t>0.0, 0.0, 1.0, 1.0</a:t>
+              <a:t>1.0, 1.0, 1.0, 1.0, 1.0, 0.0, 0.0, 1.0, 0.0, 0.0, 1.0, 1.0</a:t>
             </a:r>
             <a:r>
               <a:rPr lang="en-US" altLang="ko-KR" dirty="0"/>
               <a:t>};</a:t>
             </a:r>
-          </a:p>
-          <a:p>
-            <a:pPr lvl="1" latinLnBrk="0"/>
-            <a:endParaRPr lang="en-US" altLang="ko-KR" dirty="0"/>
-          </a:p>
-          <a:p>
-            <a:pPr marL="342900" indent="-342900" latinLnBrk="0">
-              <a:buAutoNum type="arabicPeriod"/>
-            </a:pPr>
-            <a:r>
-              <a:rPr lang="ko-KR" altLang="en-US" dirty="0"/>
-              <a:t>합친</a:t>
-            </a:r>
-            <a:r>
-              <a:rPr lang="en-US" altLang="ko-KR" dirty="0"/>
-              <a:t> Array </a:t>
-            </a:r>
-            <a:r>
-              <a:rPr lang="ko-KR" altLang="en-US" dirty="0"/>
-              <a:t>생성</a:t>
-            </a:r>
-            <a:endParaRPr lang="en-US" altLang="ko-KR" dirty="0"/>
-          </a:p>
-          <a:p>
-            <a:pPr lvl="1" latinLnBrk="0"/>
-            <a:r>
-              <a:rPr lang="en-US" altLang="ko-KR" dirty="0"/>
-              <a:t>float </a:t>
-            </a:r>
-            <a:r>
-              <a:rPr lang="en-US" altLang="ko-KR" dirty="0" err="1"/>
-              <a:t>PositionColor</a:t>
-            </a:r>
-            <a:r>
-              <a:rPr lang="en-US" altLang="ko-KR" dirty="0"/>
-              <a:t>[21] = {</a:t>
-            </a:r>
-            <a:r>
-              <a:rPr lang="en-US" altLang="ko-KR" dirty="0">
-                <a:solidFill>
-                  <a:srgbClr val="0070C0"/>
-                </a:solidFill>
-              </a:rPr>
-              <a:t>0.0, 1.0, 0.0, </a:t>
-            </a:r>
-            <a:r>
-              <a:rPr lang="en-US" altLang="ko-KR" dirty="0">
-                <a:solidFill>
-                  <a:srgbClr val="0070C0"/>
-                </a:solidFill>
-              </a:rPr>
-              <a:t>-</a:t>
-            </a:r>
-            <a:r>
-              <a:rPr lang="en-US" altLang="ko-KR" dirty="0">
-                <a:solidFill>
-                  <a:srgbClr val="0070C0"/>
-                </a:solidFill>
-              </a:rPr>
-              <a:t>1.0, -1.0, 0.0, </a:t>
-            </a:r>
-            <a:r>
-              <a:rPr lang="en-US" altLang="ko-KR" dirty="0">
-                <a:solidFill>
-                  <a:srgbClr val="0070C0"/>
-                </a:solidFill>
-              </a:rPr>
-              <a:t>1.0</a:t>
-            </a:r>
-            <a:r>
-              <a:rPr lang="en-US" altLang="ko-KR" dirty="0">
-                <a:solidFill>
-                  <a:srgbClr val="0070C0"/>
-                </a:solidFill>
-              </a:rPr>
-              <a:t>, -1.0, 0.0, </a:t>
-            </a:r>
-            <a:r>
-              <a:rPr lang="en-US" altLang="ko-KR" dirty="0">
-                <a:solidFill>
-                  <a:srgbClr val="FF0000"/>
-                </a:solidFill>
-              </a:rPr>
-              <a:t>1.0, 1.0, 1.0, 1.0, 1.0, 0.0, 0.0, 1.0, </a:t>
-            </a:r>
-            <a:r>
-              <a:rPr lang="en-US" altLang="ko-KR" dirty="0">
-                <a:solidFill>
-                  <a:srgbClr val="FF0000"/>
-                </a:solidFill>
-              </a:rPr>
-              <a:t>0.0</a:t>
-            </a:r>
-            <a:r>
-              <a:rPr lang="en-US" altLang="ko-KR" dirty="0">
-                <a:solidFill>
-                  <a:srgbClr val="FF0000"/>
-                </a:solidFill>
-              </a:rPr>
-              <a:t>, 0.0, 1.0, 1.0</a:t>
-            </a:r>
-            <a:r>
-              <a:rPr lang="en-US" altLang="ko-KR" dirty="0"/>
-              <a:t>};</a:t>
-            </a:r>
-            <a:endParaRPr lang="en-US" altLang="ko-KR" dirty="0"/>
           </a:p>
         </p:txBody>
       </p:sp>
@@ -18117,8 +18139,8 @@
           </a:p>
         </p:txBody>
       </p:sp>
-      <mc:AlternateContent xmlns:mc="http://schemas.openxmlformats.org/markup-compatibility/2006">
-        <mc:Choice xmlns:a14="http://schemas.microsoft.com/office/drawing/2010/main" Requires="a14">
+      <mc:AlternateContent xmlns:mc="http://schemas.openxmlformats.org/markup-compatibility/2006" xmlns:a14="http://schemas.microsoft.com/office/drawing/2010/main">
+        <mc:Choice Requires="a14">
           <p:sp>
             <p:nvSpPr>
               <p:cNvPr id="10" name="TextBox 9"/>
@@ -18181,7 +18203,7 @@
             </p:txBody>
           </p:sp>
         </mc:Choice>
-        <mc:Fallback>
+        <mc:Fallback xmlns="">
           <p:sp>
             <p:nvSpPr>
               <p:cNvPr id="10" name="TextBox 9"/>
@@ -18220,8 +18242,8 @@
           </p:sp>
         </mc:Fallback>
       </mc:AlternateContent>
-      <mc:AlternateContent xmlns:mc="http://schemas.openxmlformats.org/markup-compatibility/2006">
-        <mc:Choice xmlns:a14="http://schemas.microsoft.com/office/drawing/2010/main" Requires="a14">
+      <mc:AlternateContent xmlns:mc="http://schemas.openxmlformats.org/markup-compatibility/2006" xmlns:a14="http://schemas.microsoft.com/office/drawing/2010/main">
+        <mc:Choice Requires="a14">
           <p:sp>
             <p:nvSpPr>
               <p:cNvPr id="11" name="TextBox 10"/>
@@ -18284,7 +18306,7 @@
             </p:txBody>
           </p:sp>
         </mc:Choice>
-        <mc:Fallback>
+        <mc:Fallback xmlns="">
           <p:sp>
             <p:nvSpPr>
               <p:cNvPr id="11" name="TextBox 10"/>
@@ -18323,8 +18345,8 @@
           </p:sp>
         </mc:Fallback>
       </mc:AlternateContent>
-      <mc:AlternateContent xmlns:mc="http://schemas.openxmlformats.org/markup-compatibility/2006">
-        <mc:Choice xmlns:a14="http://schemas.microsoft.com/office/drawing/2010/main" Requires="a14">
+      <mc:AlternateContent xmlns:mc="http://schemas.openxmlformats.org/markup-compatibility/2006" xmlns:a14="http://schemas.microsoft.com/office/drawing/2010/main">
+        <mc:Choice Requires="a14">
           <p:sp>
             <p:nvSpPr>
               <p:cNvPr id="12" name="TextBox 11"/>
@@ -18387,7 +18409,7 @@
             </p:txBody>
           </p:sp>
         </mc:Choice>
-        <mc:Fallback>
+        <mc:Fallback xmlns="">
           <p:sp>
             <p:nvSpPr>
               <p:cNvPr id="12" name="TextBox 11"/>
@@ -18446,157 +18468,6 @@
 </p:sld>
 </file>
 
-<file path=ppt/slides/slide28.xml><?xml version="1.0" encoding="utf-8"?>
-<p:sld xmlns:a="http://schemas.openxmlformats.org/drawingml/2006/main" xmlns:r="http://schemas.openxmlformats.org/officeDocument/2006/relationships" xmlns:p="http://schemas.openxmlformats.org/presentationml/2006/main">
-  <p:cSld>
-    <p:spTree>
-      <p:nvGrpSpPr>
-        <p:cNvPr id="1" name=""/>
-        <p:cNvGrpSpPr/>
-        <p:nvPr/>
-      </p:nvGrpSpPr>
-      <p:grpSpPr>
-        <a:xfrm>
-          <a:off x="0" y="0"/>
-          <a:ext cx="0" cy="0"/>
-          <a:chOff x="0" y="0"/>
-          <a:chExt cx="0" cy="0"/>
-        </a:xfrm>
-      </p:grpSpPr>
-      <p:sp>
-        <p:nvSpPr>
-          <p:cNvPr id="2" name="제목 1"/>
-          <p:cNvSpPr>
-            <a:spLocks noGrp="1"/>
-          </p:cNvSpPr>
-          <p:nvPr>
-            <p:ph type="title"/>
-          </p:nvPr>
-        </p:nvSpPr>
-        <p:spPr/>
-        <p:txBody>
-          <a:bodyPr>
-            <a:normAutofit/>
-          </a:bodyPr>
-          <a:lstStyle/>
-          <a:p>
-            <a:r>
-              <a:rPr lang="ko-KR" altLang="en-US" dirty="0" err="1"/>
-              <a:t>버텍스</a:t>
-            </a:r>
-            <a:r>
-              <a:rPr lang="ko-KR" altLang="en-US" dirty="0"/>
-              <a:t> </a:t>
-            </a:r>
-            <a:r>
-              <a:rPr lang="ko-KR" altLang="en-US" dirty="0" err="1"/>
-              <a:t>쉐이더</a:t>
-            </a:r>
-            <a:r>
-              <a:rPr lang="ko-KR" altLang="en-US" dirty="0"/>
-              <a:t> 입력 데이터 패킹</a:t>
-            </a:r>
-          </a:p>
-        </p:txBody>
-      </p:sp>
-      <p:sp>
-        <p:nvSpPr>
-          <p:cNvPr id="4" name="직사각형 3"/>
-          <p:cNvSpPr/>
-          <p:nvPr/>
-        </p:nvSpPr>
-        <p:spPr>
-          <a:xfrm>
-            <a:off x="1985467" y="3573016"/>
-            <a:ext cx="8190656" cy="923330"/>
-          </a:xfrm>
-          <a:prstGeom prst="rect">
-            <a:avLst/>
-          </a:prstGeom>
-        </p:spPr>
-        <p:txBody>
-          <a:bodyPr wrap="square">
-            <a:spAutoFit/>
-          </a:bodyPr>
-          <a:lstStyle/>
-          <a:p>
-            <a:pPr marL="342900" indent="-342900" latinLnBrk="0">
-              <a:buAutoNum type="arabicPeriod"/>
-            </a:pPr>
-            <a:r>
-              <a:rPr lang="ko-KR" altLang="en-US" dirty="0"/>
-              <a:t>각각</a:t>
-            </a:r>
-            <a:r>
-              <a:rPr lang="en-US" altLang="ko-KR" dirty="0"/>
-              <a:t> Array </a:t>
-            </a:r>
-            <a:r>
-              <a:rPr lang="ko-KR" altLang="en-US" dirty="0"/>
-              <a:t>생성</a:t>
-            </a:r>
-            <a:endParaRPr lang="en-US" altLang="ko-KR" dirty="0"/>
-          </a:p>
-          <a:p>
-            <a:pPr lvl="1" latinLnBrk="0"/>
-            <a:r>
-              <a:rPr lang="en-US" altLang="ko-KR" dirty="0"/>
-              <a:t>float Position[9] = {</a:t>
-            </a:r>
-            <a:r>
-              <a:rPr lang="en-US" altLang="ko-KR" dirty="0">
-                <a:solidFill>
-                  <a:srgbClr val="0070C0"/>
-                </a:solidFill>
-              </a:rPr>
-              <a:t>0.0, 1.0, 0.0, -1.0, -1.0, 0.0, 1.0, -1.0, 0.0</a:t>
-            </a:r>
-            <a:r>
-              <a:rPr lang="en-US" altLang="ko-KR" dirty="0"/>
-              <a:t>};</a:t>
-            </a:r>
-          </a:p>
-          <a:p>
-            <a:pPr lvl="1" latinLnBrk="0"/>
-            <a:r>
-              <a:rPr lang="en-US" altLang="ko-KR" dirty="0"/>
-              <a:t>float Color[12] = {</a:t>
-            </a:r>
-            <a:r>
-              <a:rPr lang="en-US" altLang="ko-KR" dirty="0">
-                <a:solidFill>
-                  <a:srgbClr val="FF0000"/>
-                </a:solidFill>
-              </a:rPr>
-              <a:t>1.0, 1.0, 1.0, 1.0, 1.0, 0.0, 0.0, 1.0, 0.0, 0.0, 1.0, 1.0</a:t>
-            </a:r>
-            <a:r>
-              <a:rPr lang="en-US" altLang="ko-KR" dirty="0"/>
-              <a:t>};</a:t>
-            </a:r>
-          </a:p>
-        </p:txBody>
-      </p:sp>
-    </p:spTree>
-    <p:extLst>
-      <p:ext uri="{BB962C8B-B14F-4D97-AF65-F5344CB8AC3E}">
-        <p14:creationId xmlns:p14="http://schemas.microsoft.com/office/powerpoint/2010/main" val="4206715576"/>
-      </p:ext>
-    </p:extLst>
-  </p:cSld>
-  <p:clrMapOvr>
-    <a:masterClrMapping/>
-  </p:clrMapOvr>
-  <p:timing>
-    <p:tnLst>
-      <p:par>
-        <p:cTn id="1" dur="indefinite" restart="never" nodeType="tmRoot"/>
-      </p:par>
-    </p:tnLst>
-  </p:timing>
-</p:sld>
-</file>
-
 <file path=ppt/slides/slide29.xml><?xml version="1.0" encoding="utf-8"?>
 <p:sld xmlns:a="http://schemas.openxmlformats.org/drawingml/2006/main" xmlns:r="http://schemas.openxmlformats.org/officeDocument/2006/relationships" xmlns:p="http://schemas.openxmlformats.org/presentationml/2006/main">
   <p:cSld>
@@ -18652,6 +18523,244 @@
       </p:sp>
       <p:sp>
         <p:nvSpPr>
+          <p:cNvPr id="4" name="직사각형 3"/>
+          <p:cNvSpPr/>
+          <p:nvPr/>
+        </p:nvSpPr>
+        <p:spPr>
+          <a:xfrm>
+            <a:off x="1985467" y="3573016"/>
+            <a:ext cx="8190656" cy="923330"/>
+          </a:xfrm>
+          <a:prstGeom prst="rect">
+            <a:avLst/>
+          </a:prstGeom>
+        </p:spPr>
+        <p:txBody>
+          <a:bodyPr wrap="square">
+            <a:spAutoFit/>
+          </a:bodyPr>
+          <a:lstStyle/>
+          <a:p>
+            <a:pPr marL="342900" indent="-342900" latinLnBrk="0">
+              <a:buAutoNum type="arabicPeriod"/>
+            </a:pPr>
+            <a:r>
+              <a:rPr lang="ko-KR" altLang="en-US" dirty="0"/>
+              <a:t>각각</a:t>
+            </a:r>
+            <a:r>
+              <a:rPr lang="en-US" altLang="ko-KR" dirty="0"/>
+              <a:t> Array </a:t>
+            </a:r>
+            <a:r>
+              <a:rPr lang="ko-KR" altLang="en-US" dirty="0"/>
+              <a:t>생성</a:t>
+            </a:r>
+            <a:endParaRPr lang="en-US" altLang="ko-KR" dirty="0"/>
+          </a:p>
+          <a:p>
+            <a:pPr lvl="1" latinLnBrk="0"/>
+            <a:r>
+              <a:rPr lang="en-US" altLang="ko-KR" dirty="0"/>
+              <a:t>float Position[9] = {</a:t>
+            </a:r>
+            <a:r>
+              <a:rPr lang="en-US" altLang="ko-KR" dirty="0">
+                <a:solidFill>
+                  <a:srgbClr val="0070C0"/>
+                </a:solidFill>
+              </a:rPr>
+              <a:t>0.0, 1.0, 0.0, -1.0, -1.0, 0.0, 1.0, -1.0, 0.0</a:t>
+            </a:r>
+            <a:r>
+              <a:rPr lang="en-US" altLang="ko-KR" dirty="0"/>
+              <a:t>};</a:t>
+            </a:r>
+          </a:p>
+          <a:p>
+            <a:pPr lvl="1" latinLnBrk="0"/>
+            <a:r>
+              <a:rPr lang="en-US" altLang="ko-KR" dirty="0"/>
+              <a:t>float Color[12] = {</a:t>
+            </a:r>
+            <a:r>
+              <a:rPr lang="en-US" altLang="ko-KR" dirty="0">
+                <a:solidFill>
+                  <a:srgbClr val="FF0000"/>
+                </a:solidFill>
+              </a:rPr>
+              <a:t>1.0, 1.0, 1.0, 1.0, 1.0, 0.0, 0.0, 1.0, 0.0, 0.0, 1.0, 1.0</a:t>
+            </a:r>
+            <a:r>
+              <a:rPr lang="en-US" altLang="ko-KR" dirty="0"/>
+              <a:t>};</a:t>
+            </a:r>
+          </a:p>
+        </p:txBody>
+      </p:sp>
+    </p:spTree>
+    <p:extLst>
+      <p:ext uri="{BB962C8B-B14F-4D97-AF65-F5344CB8AC3E}">
+        <p14:creationId xmlns:p14="http://schemas.microsoft.com/office/powerpoint/2010/main" val="4206715576"/>
+      </p:ext>
+    </p:extLst>
+  </p:cSld>
+  <p:clrMapOvr>
+    <a:masterClrMapping/>
+  </p:clrMapOvr>
+  <p:timing>
+    <p:tnLst>
+      <p:par>
+        <p:cTn id="1" dur="indefinite" restart="never" nodeType="tmRoot"/>
+      </p:par>
+    </p:tnLst>
+  </p:timing>
+</p:sld>
+</file>
+
+<file path=ppt/slides/slide3.xml><?xml version="1.0" encoding="utf-8"?>
+<p:sld xmlns:a="http://schemas.openxmlformats.org/drawingml/2006/main" xmlns:r="http://schemas.openxmlformats.org/officeDocument/2006/relationships" xmlns:p="http://schemas.openxmlformats.org/presentationml/2006/main">
+  <p:cSld>
+    <p:spTree>
+      <p:nvGrpSpPr>
+        <p:cNvPr id="1" name=""/>
+        <p:cNvGrpSpPr/>
+        <p:nvPr/>
+      </p:nvGrpSpPr>
+      <p:grpSpPr>
+        <a:xfrm>
+          <a:off x="0" y="0"/>
+          <a:ext cx="0" cy="0"/>
+          <a:chOff x="0" y="0"/>
+          <a:chExt cx="0" cy="0"/>
+        </a:xfrm>
+      </p:grpSpPr>
+      <p:sp>
+        <p:nvSpPr>
+          <p:cNvPr id="4" name="제목 3"/>
+          <p:cNvSpPr>
+            <a:spLocks noGrp="1"/>
+          </p:cNvSpPr>
+          <p:nvPr>
+            <p:ph type="title"/>
+          </p:nvPr>
+        </p:nvSpPr>
+        <p:spPr/>
+        <p:txBody>
+          <a:bodyPr/>
+          <a:lstStyle/>
+          <a:p>
+            <a:r>
+              <a:rPr lang="ko-KR" altLang="en-US" dirty="0" err="1" smtClean="0"/>
+              <a:t>프래그먼트</a:t>
+            </a:r>
+            <a:r>
+              <a:rPr lang="ko-KR" altLang="en-US" dirty="0" smtClean="0"/>
+              <a:t> </a:t>
+            </a:r>
+            <a:r>
+              <a:rPr lang="ko-KR" altLang="en-US" dirty="0" err="1"/>
+              <a:t>쉐이더</a:t>
+            </a:r>
+            <a:endParaRPr lang="en-US" altLang="ko-KR" dirty="0"/>
+          </a:p>
+        </p:txBody>
+      </p:sp>
+      <p:sp>
+        <p:nvSpPr>
+          <p:cNvPr id="5" name="텍스트 개체 틀 4"/>
+          <p:cNvSpPr>
+            <a:spLocks noGrp="1"/>
+          </p:cNvSpPr>
+          <p:nvPr>
+            <p:ph type="body" idx="1"/>
+          </p:nvPr>
+        </p:nvSpPr>
+        <p:spPr/>
+        <p:txBody>
+          <a:bodyPr/>
+          <a:lstStyle/>
+          <a:p>
+            <a:endParaRPr lang="ko-KR" altLang="en-US"/>
+          </a:p>
+        </p:txBody>
+      </p:sp>
+    </p:spTree>
+    <p:extLst>
+      <p:ext uri="{BB962C8B-B14F-4D97-AF65-F5344CB8AC3E}">
+        <p14:creationId xmlns:p14="http://schemas.microsoft.com/office/powerpoint/2010/main" val="2416891680"/>
+      </p:ext>
+    </p:extLst>
+  </p:cSld>
+  <p:clrMapOvr>
+    <a:masterClrMapping/>
+  </p:clrMapOvr>
+  <p:timing>
+    <p:tnLst>
+      <p:par>
+        <p:cTn id="1" dur="indefinite" restart="never" nodeType="tmRoot"/>
+      </p:par>
+    </p:tnLst>
+  </p:timing>
+</p:sld>
+</file>
+
+<file path=ppt/slides/slide30.xml><?xml version="1.0" encoding="utf-8"?>
+<p:sld xmlns:a="http://schemas.openxmlformats.org/drawingml/2006/main" xmlns:r="http://schemas.openxmlformats.org/officeDocument/2006/relationships" xmlns:p="http://schemas.openxmlformats.org/presentationml/2006/main">
+  <p:cSld>
+    <p:spTree>
+      <p:nvGrpSpPr>
+        <p:cNvPr id="1" name=""/>
+        <p:cNvGrpSpPr/>
+        <p:nvPr/>
+      </p:nvGrpSpPr>
+      <p:grpSpPr>
+        <a:xfrm>
+          <a:off x="0" y="0"/>
+          <a:ext cx="0" cy="0"/>
+          <a:chOff x="0" y="0"/>
+          <a:chExt cx="0" cy="0"/>
+        </a:xfrm>
+      </p:grpSpPr>
+      <p:sp>
+        <p:nvSpPr>
+          <p:cNvPr id="2" name="제목 1"/>
+          <p:cNvSpPr>
+            <a:spLocks noGrp="1"/>
+          </p:cNvSpPr>
+          <p:nvPr>
+            <p:ph type="title"/>
+          </p:nvPr>
+        </p:nvSpPr>
+        <p:spPr/>
+        <p:txBody>
+          <a:bodyPr>
+            <a:normAutofit/>
+          </a:bodyPr>
+          <a:lstStyle/>
+          <a:p>
+            <a:r>
+              <a:rPr lang="ko-KR" altLang="en-US" dirty="0" err="1"/>
+              <a:t>버텍스</a:t>
+            </a:r>
+            <a:r>
+              <a:rPr lang="ko-KR" altLang="en-US" dirty="0"/>
+              <a:t> </a:t>
+            </a:r>
+            <a:r>
+              <a:rPr lang="ko-KR" altLang="en-US" dirty="0" err="1"/>
+              <a:t>쉐이더</a:t>
+            </a:r>
+            <a:r>
+              <a:rPr lang="ko-KR" altLang="en-US" dirty="0"/>
+              <a:t> 입력 데이터 패킹</a:t>
+            </a:r>
+          </a:p>
+        </p:txBody>
+      </p:sp>
+      <p:sp>
+        <p:nvSpPr>
           <p:cNvPr id="3" name="TextBox 2"/>
           <p:cNvSpPr txBox="1"/>
           <p:nvPr/>
@@ -18709,11 +18818,178 @@
             </a:r>
             <a:r>
               <a:rPr lang="en-US" altLang="ko-KR" sz="1400" dirty="0"/>
-              <a:t>(GL_ARRAY_BUFFER</a:t>
+              <a:t>(GL_ARRAY_BUFFER, VBO);</a:t>
+            </a:r>
+          </a:p>
+          <a:p>
+            <a:r>
+              <a:rPr lang="en-US" altLang="ko-KR" sz="1400" dirty="0" err="1"/>
+              <a:t>glBufferData</a:t>
             </a:r>
             <a:r>
               <a:rPr lang="en-US" altLang="ko-KR" sz="1400" dirty="0"/>
-              <a:t>, VBO</a:t>
+              <a:t>(GL_ARRAY_BUFFER, </a:t>
+            </a:r>
+            <a:r>
+              <a:rPr lang="en-US" altLang="ko-KR" sz="1400" dirty="0" err="1"/>
+              <a:t>sizeof</a:t>
+            </a:r>
+            <a:r>
+              <a:rPr lang="en-US" altLang="ko-KR" sz="1400" dirty="0"/>
+              <a:t>(Position), Position, GL_STATIC_DRAW);</a:t>
+            </a:r>
+          </a:p>
+          <a:p>
+            <a:endParaRPr lang="en-US" altLang="ko-KR" sz="1400" dirty="0"/>
+          </a:p>
+          <a:p>
+            <a:r>
+              <a:rPr lang="en-US" altLang="ko-KR" sz="1400" dirty="0" err="1"/>
+              <a:t>GLuint</a:t>
+            </a:r>
+            <a:r>
+              <a:rPr lang="en-US" altLang="ko-KR" sz="1400" dirty="0"/>
+              <a:t> VBO1;</a:t>
+            </a:r>
+          </a:p>
+          <a:p>
+            <a:r>
+              <a:rPr lang="en-US" altLang="ko-KR" sz="1400" dirty="0" err="1"/>
+              <a:t>glGenBuffers</a:t>
+            </a:r>
+            <a:r>
+              <a:rPr lang="en-US" altLang="ko-KR" sz="1400" dirty="0"/>
+              <a:t>(1, &amp;VBO1);</a:t>
+            </a:r>
+          </a:p>
+          <a:p>
+            <a:r>
+              <a:rPr lang="en-US" altLang="ko-KR" sz="1400" dirty="0" err="1"/>
+              <a:t>glBindBuffer</a:t>
+            </a:r>
+            <a:r>
+              <a:rPr lang="en-US" altLang="ko-KR" sz="1400" dirty="0"/>
+              <a:t>(GL_ARRAY_BUFFER, VBO1);</a:t>
+            </a:r>
+          </a:p>
+          <a:p>
+            <a:r>
+              <a:rPr lang="en-US" altLang="ko-KR" sz="1400" dirty="0" err="1"/>
+              <a:t>glBufferData</a:t>
+            </a:r>
+            <a:r>
+              <a:rPr lang="en-US" altLang="ko-KR" sz="1400" dirty="0"/>
+              <a:t>(GL_ARRAY_BUFFER, </a:t>
+            </a:r>
+            <a:r>
+              <a:rPr lang="en-US" altLang="ko-KR" sz="1400" dirty="0" err="1"/>
+              <a:t>sizeof</a:t>
+            </a:r>
+            <a:r>
+              <a:rPr lang="en-US" altLang="ko-KR" sz="1400" dirty="0"/>
+              <a:t>(Color), Color, GL_STATIC_DRAW);</a:t>
+            </a:r>
+          </a:p>
+          <a:p>
+            <a:endParaRPr lang="en-US" altLang="ko-KR" sz="1400" dirty="0"/>
+          </a:p>
+          <a:p>
+            <a:r>
+              <a:rPr lang="en-US" altLang="ko-KR" sz="1400" dirty="0"/>
+              <a:t>//</a:t>
+            </a:r>
+            <a:r>
+              <a:rPr lang="ko-KR" altLang="en-US" sz="1400" dirty="0"/>
+              <a:t>사용시</a:t>
+            </a:r>
+            <a:endParaRPr lang="en-US" altLang="ko-KR" sz="1400" dirty="0"/>
+          </a:p>
+          <a:p>
+            <a:pPr latinLnBrk="0"/>
+            <a:r>
+              <a:rPr lang="en-US" altLang="ko-KR" sz="1400" dirty="0" err="1"/>
+              <a:t>int</a:t>
+            </a:r>
+            <a:r>
+              <a:rPr lang="en-US" altLang="ko-KR" sz="1400" dirty="0"/>
+              <a:t> </a:t>
+            </a:r>
+            <a:r>
+              <a:rPr lang="en-US" altLang="ko-KR" sz="1400" dirty="0" err="1"/>
+              <a:t>positionAttribID</a:t>
+            </a:r>
+            <a:r>
+              <a:rPr lang="en-US" altLang="ko-KR" sz="1400" dirty="0"/>
+              <a:t> </a:t>
+            </a:r>
+            <a:r>
+              <a:rPr lang="en-US" altLang="ko-KR" sz="1400" dirty="0" err="1"/>
+              <a:t>glGetAttribLocation</a:t>
+            </a:r>
+            <a:r>
+              <a:rPr lang="en-US" altLang="ko-KR" sz="1400" dirty="0"/>
+              <a:t>(</a:t>
+            </a:r>
+            <a:r>
+              <a:rPr lang="en-US" altLang="ko-KR" sz="1400" dirty="0" err="1"/>
+              <a:t>gShaderProgram</a:t>
+            </a:r>
+            <a:r>
+              <a:rPr lang="en-US" altLang="ko-KR" sz="1400" dirty="0"/>
+              <a:t>, "Position");</a:t>
+            </a:r>
+          </a:p>
+          <a:p>
+            <a:pPr latinLnBrk="0"/>
+            <a:r>
+              <a:rPr lang="en-US" altLang="ko-KR" sz="1400" dirty="0" err="1"/>
+              <a:t>int</a:t>
+            </a:r>
+            <a:r>
+              <a:rPr lang="en-US" altLang="ko-KR" sz="1400" dirty="0"/>
+              <a:t> </a:t>
+            </a:r>
+            <a:r>
+              <a:rPr lang="en-US" altLang="ko-KR" sz="1400" dirty="0" err="1"/>
+              <a:t>colorAttribID</a:t>
+            </a:r>
+            <a:r>
+              <a:rPr lang="en-US" altLang="ko-KR" sz="1400" dirty="0"/>
+              <a:t> </a:t>
+            </a:r>
+            <a:r>
+              <a:rPr lang="en-US" altLang="ko-KR" sz="1400" dirty="0" err="1"/>
+              <a:t>glGetAttribLocation</a:t>
+            </a:r>
+            <a:r>
+              <a:rPr lang="en-US" altLang="ko-KR" sz="1400" dirty="0"/>
+              <a:t>(</a:t>
+            </a:r>
+            <a:r>
+              <a:rPr lang="en-US" altLang="ko-KR" sz="1400" dirty="0" err="1"/>
+              <a:t>gShaderProgram</a:t>
+            </a:r>
+            <a:r>
+              <a:rPr lang="en-US" altLang="ko-KR" sz="1400" dirty="0"/>
+              <a:t>, “Color");</a:t>
+            </a:r>
+          </a:p>
+          <a:p>
+            <a:pPr latinLnBrk="0"/>
+            <a:endParaRPr lang="ko-KR" altLang="en-US" sz="1400" dirty="0"/>
+          </a:p>
+          <a:p>
+            <a:r>
+              <a:rPr lang="en-US" altLang="ko-KR" sz="1400" dirty="0" err="1"/>
+              <a:t>glEnableVertexAttribArray</a:t>
+            </a:r>
+            <a:r>
+              <a:rPr lang="en-US" altLang="ko-KR" sz="1400" dirty="0"/>
+              <a:t>(</a:t>
+            </a:r>
+            <a:r>
+              <a:rPr lang="en-US" altLang="ko-KR" sz="1400" dirty="0" err="1"/>
+              <a:t>positionAttribID</a:t>
             </a:r>
             <a:r>
               <a:rPr lang="en-US" altLang="ko-KR" sz="1400" dirty="0"/>
@@ -18723,54 +18999,51 @@
           <a:p>
             <a:r>
               <a:rPr lang="en-US" altLang="ko-KR" sz="1400" dirty="0" err="1"/>
-              <a:t>glBufferData</a:t>
+              <a:t>glBindBuffer</a:t>
             </a:r>
             <a:r>
               <a:rPr lang="en-US" altLang="ko-KR" sz="1400" dirty="0"/>
-              <a:t>(GL_ARRAY_BUFFER, </a:t>
-            </a:r>
+              <a:t>(GL_ARRAY_BUFFER, VBO);</a:t>
+            </a:r>
+          </a:p>
+          <a:p>
             <a:r>
               <a:rPr lang="en-US" altLang="ko-KR" sz="1400" dirty="0" err="1"/>
-              <a:t>sizeof</a:t>
+              <a:t>glVertexAttribPointer</a:t>
             </a:r>
             <a:r>
               <a:rPr lang="en-US" altLang="ko-KR" sz="1400" dirty="0"/>
-              <a:t>(Position</a:t>
+              <a:t>(</a:t>
+            </a:r>
+            <a:r>
+              <a:rPr lang="en-US" altLang="ko-KR" sz="1400" dirty="0" err="1"/>
+              <a:t>positionAttribID</a:t>
             </a:r>
             <a:r>
               <a:rPr lang="en-US" altLang="ko-KR" sz="1400" dirty="0"/>
-              <a:t>), Position, GL_STATIC_DRAW);</a:t>
-            </a:r>
-            <a:endParaRPr lang="en-US" altLang="ko-KR" sz="1400" dirty="0"/>
-          </a:p>
-          <a:p>
-            <a:endParaRPr lang="en-US" altLang="ko-KR" sz="1400" dirty="0"/>
+              <a:t>, 3, GL_FLOAT, GL_FALSE, 0, 0);</a:t>
+            </a:r>
+          </a:p>
+          <a:p>
+            <a:endParaRPr lang="ko-KR" altLang="en-US" sz="1400" dirty="0"/>
           </a:p>
           <a:p>
             <a:r>
               <a:rPr lang="en-US" altLang="ko-KR" sz="1400" dirty="0" err="1"/>
-              <a:t>GLuint</a:t>
+              <a:t>glEnableVertexAttribArray</a:t>
             </a:r>
             <a:r>
               <a:rPr lang="en-US" altLang="ko-KR" sz="1400" dirty="0"/>
-              <a:t> VBO1;</a:t>
-            </a:r>
-            <a:endParaRPr lang="en-US" altLang="ko-KR" sz="1400" dirty="0"/>
-          </a:p>
-          <a:p>
+              <a:t>(</a:t>
+            </a:r>
             <a:r>
               <a:rPr lang="en-US" altLang="ko-KR" sz="1400" dirty="0" err="1"/>
-              <a:t>glGenBuffers</a:t>
+              <a:t>colorAttribID</a:t>
             </a:r>
             <a:r>
               <a:rPr lang="en-US" altLang="ko-KR" sz="1400" dirty="0"/>
-              <a:t>(1, &amp;</a:t>
-            </a:r>
-            <a:r>
-              <a:rPr lang="en-US" altLang="ko-KR" sz="1400" dirty="0"/>
-              <a:t>VBO1);</a:t>
-            </a:r>
-            <a:endParaRPr lang="en-US" altLang="ko-KR" sz="1400" dirty="0"/>
+              <a:t>);</a:t>
+            </a:r>
           </a:p>
           <a:p>
             <a:r>
@@ -18779,87 +19052,13 @@
             </a:r>
             <a:r>
               <a:rPr lang="en-US" altLang="ko-KR" sz="1400" dirty="0"/>
-              <a:t>(GL_ARRAY_BUFFER</a:t>
-            </a:r>
-            <a:r>
-              <a:rPr lang="en-US" altLang="ko-KR" sz="1400" dirty="0"/>
-              <a:t>, </a:t>
-            </a:r>
-            <a:r>
-              <a:rPr lang="en-US" altLang="ko-KR" sz="1400" dirty="0"/>
-              <a:t>VBO1);</a:t>
-            </a:r>
-            <a:endParaRPr lang="en-US" altLang="ko-KR" sz="1400" dirty="0"/>
+              <a:t>(GL_ARRAY_BUFFER, VBO1);</a:t>
+            </a:r>
           </a:p>
           <a:p>
             <a:r>
               <a:rPr lang="en-US" altLang="ko-KR" sz="1400" dirty="0" err="1"/>
-              <a:t>glBufferData</a:t>
-            </a:r>
-            <a:r>
-              <a:rPr lang="en-US" altLang="ko-KR" sz="1400" dirty="0"/>
-              <a:t>(GL_ARRAY_BUFFER, </a:t>
-            </a:r>
-            <a:r>
-              <a:rPr lang="en-US" altLang="ko-KR" sz="1400" dirty="0" err="1"/>
-              <a:t>sizeof</a:t>
-            </a:r>
-            <a:r>
-              <a:rPr lang="en-US" altLang="ko-KR" sz="1400" dirty="0"/>
-              <a:t>(Color), </a:t>
-            </a:r>
-            <a:r>
-              <a:rPr lang="en-US" altLang="ko-KR" sz="1400" dirty="0"/>
-              <a:t>Color</a:t>
-            </a:r>
-            <a:r>
-              <a:rPr lang="en-US" altLang="ko-KR" sz="1400" dirty="0"/>
-              <a:t>, </a:t>
-            </a:r>
-            <a:r>
-              <a:rPr lang="en-US" altLang="ko-KR" sz="1400" dirty="0"/>
-              <a:t>GL_STATIC_DRAW</a:t>
-            </a:r>
-            <a:r>
-              <a:rPr lang="en-US" altLang="ko-KR" sz="1400" dirty="0"/>
-              <a:t>);</a:t>
-            </a:r>
-          </a:p>
-          <a:p>
-            <a:endParaRPr lang="en-US" altLang="ko-KR" sz="1400" dirty="0"/>
-          </a:p>
-          <a:p>
-            <a:r>
-              <a:rPr lang="en-US" altLang="ko-KR" sz="1400" dirty="0"/>
-              <a:t>//</a:t>
-            </a:r>
-            <a:r>
-              <a:rPr lang="ko-KR" altLang="en-US" sz="1400" dirty="0"/>
-              <a:t>사용시</a:t>
-            </a:r>
-            <a:endParaRPr lang="en-US" altLang="ko-KR" sz="1400" dirty="0"/>
-          </a:p>
-          <a:p>
-            <a:pPr latinLnBrk="0"/>
-            <a:r>
-              <a:rPr lang="en-US" altLang="ko-KR" sz="1400" dirty="0" err="1"/>
-              <a:t>int</a:t>
-            </a:r>
-            <a:r>
-              <a:rPr lang="en-US" altLang="ko-KR" sz="1400" dirty="0"/>
-              <a:t> </a:t>
-            </a:r>
-            <a:r>
-              <a:rPr lang="en-US" altLang="ko-KR" sz="1400" dirty="0" err="1"/>
-              <a:t>positionAttribID</a:t>
-            </a:r>
-            <a:r>
-              <a:rPr lang="en-US" altLang="ko-KR" sz="1400" dirty="0"/>
-              <a:t> </a:t>
-            </a:r>
-            <a:r>
-              <a:rPr lang="en-US" altLang="ko-KR" sz="1400" dirty="0" err="1"/>
-              <a:t>glGetAttribLocation</a:t>
+              <a:t>glVertexAttribPointer</a:t>
             </a:r>
             <a:r>
               <a:rPr lang="en-US" altLang="ko-KR" sz="1400" dirty="0"/>
@@ -18867,162 +19066,11 @@
             </a:r>
             <a:r>
               <a:rPr lang="en-US" altLang="ko-KR" sz="1400" dirty="0" err="1"/>
-              <a:t>gShaderProgram</a:t>
+              <a:t>colorAttribID</a:t>
             </a:r>
             <a:r>
               <a:rPr lang="en-US" altLang="ko-KR" sz="1400" dirty="0"/>
-              <a:t>, "Position");</a:t>
-            </a:r>
-          </a:p>
-          <a:p>
-            <a:pPr latinLnBrk="0"/>
-            <a:r>
-              <a:rPr lang="en-US" altLang="ko-KR" sz="1400" dirty="0" err="1"/>
-              <a:t>int</a:t>
-            </a:r>
-            <a:r>
-              <a:rPr lang="en-US" altLang="ko-KR" sz="1400" dirty="0"/>
-              <a:t> </a:t>
-            </a:r>
-            <a:r>
-              <a:rPr lang="en-US" altLang="ko-KR" sz="1400" dirty="0" err="1"/>
-              <a:t>colorAttribID</a:t>
-            </a:r>
-            <a:r>
-              <a:rPr lang="en-US" altLang="ko-KR" sz="1400" dirty="0"/>
-              <a:t> </a:t>
-            </a:r>
-            <a:r>
-              <a:rPr lang="en-US" altLang="ko-KR" sz="1400" dirty="0" err="1"/>
-              <a:t>glGetAttribLocation</a:t>
-            </a:r>
-            <a:r>
-              <a:rPr lang="en-US" altLang="ko-KR" sz="1400" dirty="0"/>
-              <a:t>(</a:t>
-            </a:r>
-            <a:r>
-              <a:rPr lang="en-US" altLang="ko-KR" sz="1400" dirty="0" err="1"/>
-              <a:t>gShaderProgram</a:t>
-            </a:r>
-            <a:r>
-              <a:rPr lang="en-US" altLang="ko-KR" sz="1400" dirty="0"/>
-              <a:t>, “Color");</a:t>
-            </a:r>
-          </a:p>
-          <a:p>
-            <a:pPr latinLnBrk="0"/>
-            <a:endParaRPr lang="ko-KR" altLang="en-US" sz="1400" dirty="0"/>
-          </a:p>
-          <a:p>
-            <a:r>
-              <a:rPr lang="en-US" altLang="ko-KR" sz="1400" dirty="0" err="1"/>
-              <a:t>glEnableVertexAttribArray</a:t>
-            </a:r>
-            <a:r>
-              <a:rPr lang="en-US" altLang="ko-KR" sz="1400" dirty="0"/>
-              <a:t>(</a:t>
-            </a:r>
-            <a:r>
-              <a:rPr lang="en-US" altLang="ko-KR" sz="1400" dirty="0" err="1"/>
-              <a:t>positionAttribID</a:t>
-            </a:r>
-            <a:r>
-              <a:rPr lang="en-US" altLang="ko-KR" sz="1400" dirty="0"/>
-              <a:t>);</a:t>
-            </a:r>
-            <a:endParaRPr lang="en-US" altLang="ko-KR" sz="1400" dirty="0"/>
-          </a:p>
-          <a:p>
-            <a:r>
-              <a:rPr lang="en-US" altLang="ko-KR" sz="1400" dirty="0" err="1"/>
-              <a:t>glBindBuffer</a:t>
-            </a:r>
-            <a:r>
-              <a:rPr lang="en-US" altLang="ko-KR" sz="1400" dirty="0"/>
-              <a:t>(GL_ARRAY_BUFFER, VBO);</a:t>
-            </a:r>
-          </a:p>
-          <a:p>
-            <a:r>
-              <a:rPr lang="en-US" altLang="ko-KR" sz="1400" dirty="0" err="1"/>
-              <a:t>glVertexAttribPointer</a:t>
-            </a:r>
-            <a:r>
-              <a:rPr lang="en-US" altLang="ko-KR" sz="1400" dirty="0"/>
-              <a:t>(</a:t>
-            </a:r>
-            <a:r>
-              <a:rPr lang="en-US" altLang="ko-KR" sz="1400" dirty="0" err="1"/>
-              <a:t>positionAttribID</a:t>
-            </a:r>
-            <a:r>
-              <a:rPr lang="en-US" altLang="ko-KR" sz="1400" dirty="0"/>
-              <a:t>, </a:t>
-            </a:r>
-            <a:r>
-              <a:rPr lang="en-US" altLang="ko-KR" sz="1400" dirty="0"/>
-              <a:t>3, GL_FLOAT, GL_FALSE, 0, 0</a:t>
-            </a:r>
-            <a:r>
-              <a:rPr lang="en-US" altLang="ko-KR" sz="1400" dirty="0"/>
-              <a:t>);</a:t>
-            </a:r>
-          </a:p>
-          <a:p>
-            <a:endParaRPr lang="ko-KR" altLang="en-US" sz="1400" dirty="0"/>
-          </a:p>
-          <a:p>
-            <a:r>
-              <a:rPr lang="en-US" altLang="ko-KR" sz="1400" dirty="0" err="1"/>
-              <a:t>glEnableVertexAttribArray</a:t>
-            </a:r>
-            <a:r>
-              <a:rPr lang="en-US" altLang="ko-KR" sz="1400" dirty="0"/>
-              <a:t>(</a:t>
-            </a:r>
-            <a:r>
-              <a:rPr lang="en-US" altLang="ko-KR" sz="1400" dirty="0" err="1"/>
-              <a:t>colorAttribID</a:t>
-            </a:r>
-            <a:r>
-              <a:rPr lang="en-US" altLang="ko-KR" sz="1400" dirty="0"/>
-              <a:t>);</a:t>
-            </a:r>
-          </a:p>
-          <a:p>
-            <a:r>
-              <a:rPr lang="en-US" altLang="ko-KR" sz="1400" dirty="0" err="1"/>
-              <a:t>glBindBuffer</a:t>
-            </a:r>
-            <a:r>
-              <a:rPr lang="en-US" altLang="ko-KR" sz="1400" dirty="0"/>
-              <a:t>(GL_ARRAY_BUFFER</a:t>
-            </a:r>
-            <a:r>
-              <a:rPr lang="en-US" altLang="ko-KR" sz="1400" dirty="0"/>
-              <a:t>, VBO1);</a:t>
-            </a:r>
-          </a:p>
-          <a:p>
-            <a:r>
-              <a:rPr lang="en-US" altLang="ko-KR" sz="1400" dirty="0" err="1"/>
-              <a:t>glVertexAttribPointer</a:t>
-            </a:r>
-            <a:r>
-              <a:rPr lang="en-US" altLang="ko-KR" sz="1400" dirty="0"/>
-              <a:t>(</a:t>
-            </a:r>
-            <a:r>
-              <a:rPr lang="en-US" altLang="ko-KR" sz="1400" dirty="0" err="1"/>
-              <a:t>colorAttribID</a:t>
-            </a:r>
-            <a:r>
-              <a:rPr lang="en-US" altLang="ko-KR" sz="1400" dirty="0"/>
-              <a:t>, 4, </a:t>
-            </a:r>
-            <a:r>
-              <a:rPr lang="en-US" altLang="ko-KR" sz="1400" dirty="0"/>
-              <a:t>GL_FLOAT, GL_FALSE, 0, 0);</a:t>
+              <a:t>, 4, GL_FLOAT, GL_FALSE, 0, 0);</a:t>
             </a:r>
           </a:p>
           <a:p>
@@ -19035,11 +19083,7 @@
             </a:r>
             <a:r>
               <a:rPr lang="en-US" altLang="ko-KR" sz="1400" dirty="0"/>
-              <a:t>(GL_TRIANGLES, 0, 3</a:t>
-            </a:r>
-            <a:r>
-              <a:rPr lang="en-US" altLang="ko-KR" sz="1400" dirty="0"/>
-              <a:t>);</a:t>
+              <a:t>(GL_TRIANGLES, 0, 3);</a:t>
             </a:r>
           </a:p>
         </p:txBody>
@@ -19458,283 +19502,6 @@
 </p:sld>
 </file>
 
-<file path=ppt/slides/slide3.xml><?xml version="1.0" encoding="utf-8"?>
-<p:sld xmlns:a="http://schemas.openxmlformats.org/drawingml/2006/main" xmlns:r="http://schemas.openxmlformats.org/officeDocument/2006/relationships" xmlns:p="http://schemas.openxmlformats.org/presentationml/2006/main">
-  <p:cSld>
-    <p:spTree>
-      <p:nvGrpSpPr>
-        <p:cNvPr id="1" name=""/>
-        <p:cNvGrpSpPr/>
-        <p:nvPr/>
-      </p:nvGrpSpPr>
-      <p:grpSpPr>
-        <a:xfrm>
-          <a:off x="0" y="0"/>
-          <a:ext cx="0" cy="0"/>
-          <a:chOff x="0" y="0"/>
-          <a:chExt cx="0" cy="0"/>
-        </a:xfrm>
-      </p:grpSpPr>
-      <p:sp>
-        <p:nvSpPr>
-          <p:cNvPr id="4" name="제목 3"/>
-          <p:cNvSpPr>
-            <a:spLocks noGrp="1"/>
-          </p:cNvSpPr>
-          <p:nvPr>
-            <p:ph type="title"/>
-          </p:nvPr>
-        </p:nvSpPr>
-        <p:spPr/>
-        <p:txBody>
-          <a:bodyPr/>
-          <a:lstStyle/>
-          <a:p>
-            <a:r>
-              <a:rPr lang="ko-KR" altLang="en-US" dirty="0" err="1" smtClean="0"/>
-              <a:t>프래그먼트</a:t>
-            </a:r>
-            <a:r>
-              <a:rPr lang="ko-KR" altLang="en-US" dirty="0" smtClean="0"/>
-              <a:t> </a:t>
-            </a:r>
-            <a:r>
-              <a:rPr lang="ko-KR" altLang="en-US" dirty="0" err="1"/>
-              <a:t>쉐이더</a:t>
-            </a:r>
-            <a:endParaRPr lang="en-US" altLang="ko-KR" dirty="0"/>
-          </a:p>
-        </p:txBody>
-      </p:sp>
-      <p:sp>
-        <p:nvSpPr>
-          <p:cNvPr id="5" name="텍스트 개체 틀 4"/>
-          <p:cNvSpPr>
-            <a:spLocks noGrp="1"/>
-          </p:cNvSpPr>
-          <p:nvPr>
-            <p:ph type="body" idx="1"/>
-          </p:nvPr>
-        </p:nvSpPr>
-        <p:spPr/>
-        <p:txBody>
-          <a:bodyPr/>
-          <a:lstStyle/>
-          <a:p>
-            <a:endParaRPr lang="ko-KR" altLang="en-US"/>
-          </a:p>
-        </p:txBody>
-      </p:sp>
-    </p:spTree>
-    <p:extLst>
-      <p:ext uri="{BB962C8B-B14F-4D97-AF65-F5344CB8AC3E}">
-        <p14:creationId xmlns:p14="http://schemas.microsoft.com/office/powerpoint/2010/main" val="2416891680"/>
-      </p:ext>
-    </p:extLst>
-  </p:cSld>
-  <p:clrMapOvr>
-    <a:masterClrMapping/>
-  </p:clrMapOvr>
-  <p:timing>
-    <p:tnLst>
-      <p:par>
-        <p:cTn id="1" dur="indefinite" restart="never" nodeType="tmRoot"/>
-      </p:par>
-    </p:tnLst>
-  </p:timing>
-</p:sld>
-</file>
-
-<file path=ppt/slides/slide30.xml><?xml version="1.0" encoding="utf-8"?>
-<p:sld xmlns:a="http://schemas.openxmlformats.org/drawingml/2006/main" xmlns:r="http://schemas.openxmlformats.org/officeDocument/2006/relationships" xmlns:p="http://schemas.openxmlformats.org/presentationml/2006/main">
-  <p:cSld>
-    <p:spTree>
-      <p:nvGrpSpPr>
-        <p:cNvPr id="1" name=""/>
-        <p:cNvGrpSpPr/>
-        <p:nvPr/>
-      </p:nvGrpSpPr>
-      <p:grpSpPr>
-        <a:xfrm>
-          <a:off x="0" y="0"/>
-          <a:ext cx="0" cy="0"/>
-          <a:chOff x="0" y="0"/>
-          <a:chExt cx="0" cy="0"/>
-        </a:xfrm>
-      </p:grpSpPr>
-      <p:sp>
-        <p:nvSpPr>
-          <p:cNvPr id="2" name="제목 1"/>
-          <p:cNvSpPr>
-            <a:spLocks noGrp="1"/>
-          </p:cNvSpPr>
-          <p:nvPr>
-            <p:ph type="title"/>
-          </p:nvPr>
-        </p:nvSpPr>
-        <p:spPr/>
-        <p:txBody>
-          <a:bodyPr>
-            <a:normAutofit/>
-          </a:bodyPr>
-          <a:lstStyle/>
-          <a:p>
-            <a:r>
-              <a:rPr lang="ko-KR" altLang="en-US" dirty="0" err="1"/>
-              <a:t>버텍스</a:t>
-            </a:r>
-            <a:r>
-              <a:rPr lang="ko-KR" altLang="en-US" dirty="0"/>
-              <a:t> </a:t>
-            </a:r>
-            <a:r>
-              <a:rPr lang="ko-KR" altLang="en-US" dirty="0" err="1"/>
-              <a:t>쉐이더</a:t>
-            </a:r>
-            <a:r>
-              <a:rPr lang="ko-KR" altLang="en-US" dirty="0"/>
-              <a:t> 입력 데이터 패킹</a:t>
-            </a:r>
-          </a:p>
-        </p:txBody>
-      </p:sp>
-      <p:sp>
-        <p:nvSpPr>
-          <p:cNvPr id="4" name="직사각형 3"/>
-          <p:cNvSpPr/>
-          <p:nvPr/>
-        </p:nvSpPr>
-        <p:spPr>
-          <a:xfrm>
-            <a:off x="1985467" y="3573016"/>
-            <a:ext cx="8190656" cy="923330"/>
-          </a:xfrm>
-          <a:prstGeom prst="rect">
-            <a:avLst/>
-          </a:prstGeom>
-        </p:spPr>
-        <p:txBody>
-          <a:bodyPr wrap="square">
-            <a:spAutoFit/>
-          </a:bodyPr>
-          <a:lstStyle/>
-          <a:p>
-            <a:pPr latinLnBrk="0"/>
-            <a:r>
-              <a:rPr lang="en-US" altLang="ko-KR" dirty="0"/>
-              <a:t>2. </a:t>
-            </a:r>
-            <a:r>
-              <a:rPr lang="ko-KR" altLang="en-US" dirty="0"/>
-              <a:t>합친</a:t>
-            </a:r>
-            <a:r>
-              <a:rPr lang="en-US" altLang="ko-KR" dirty="0"/>
-              <a:t> </a:t>
-            </a:r>
-            <a:r>
-              <a:rPr lang="en-US" altLang="ko-KR" dirty="0"/>
-              <a:t>Array </a:t>
-            </a:r>
-            <a:r>
-              <a:rPr lang="ko-KR" altLang="en-US" dirty="0"/>
-              <a:t>생성</a:t>
-            </a:r>
-            <a:endParaRPr lang="en-US" altLang="ko-KR" dirty="0"/>
-          </a:p>
-          <a:p>
-            <a:pPr lvl="1" latinLnBrk="0"/>
-            <a:r>
-              <a:rPr lang="en-US" altLang="ko-KR" dirty="0"/>
-              <a:t>float </a:t>
-            </a:r>
-            <a:r>
-              <a:rPr lang="en-US" altLang="ko-KR" dirty="0" err="1"/>
-              <a:t>PositionColor</a:t>
-            </a:r>
-            <a:r>
-              <a:rPr lang="en-US" altLang="ko-KR" dirty="0"/>
-              <a:t>[21] </a:t>
-            </a:r>
-            <a:r>
-              <a:rPr lang="en-US" altLang="ko-KR" dirty="0"/>
-              <a:t>= {</a:t>
-            </a:r>
-            <a:r>
-              <a:rPr lang="en-US" altLang="ko-KR" dirty="0">
-                <a:solidFill>
-                  <a:srgbClr val="0070C0"/>
-                </a:solidFill>
-              </a:rPr>
-              <a:t>0.0, 1.0, 0.0, </a:t>
-            </a:r>
-            <a:r>
-              <a:rPr lang="en-US" altLang="ko-KR" dirty="0">
-                <a:solidFill>
-                  <a:srgbClr val="FF0000"/>
-                </a:solidFill>
-              </a:rPr>
-              <a:t>1.0, 1.0, 1.0, 1.0, </a:t>
-            </a:r>
-            <a:r>
-              <a:rPr lang="en-US" altLang="ko-KR" dirty="0">
-                <a:solidFill>
-                  <a:srgbClr val="0070C0"/>
-                </a:solidFill>
-              </a:rPr>
-              <a:t>-1.0, -1.0, 0.0, </a:t>
-            </a:r>
-            <a:r>
-              <a:rPr lang="en-US" altLang="ko-KR" dirty="0">
-                <a:solidFill>
-                  <a:srgbClr val="FF0000"/>
-                </a:solidFill>
-              </a:rPr>
-              <a:t>1.0, 0.0, 0.0, 1.0, </a:t>
-            </a:r>
-            <a:r>
-              <a:rPr lang="en-US" altLang="ko-KR" dirty="0">
-                <a:solidFill>
-                  <a:srgbClr val="0070C0"/>
-                </a:solidFill>
-              </a:rPr>
-              <a:t>1.0, -1.0, 0.0, </a:t>
-            </a:r>
-            <a:r>
-              <a:rPr lang="en-US" altLang="ko-KR" dirty="0">
-                <a:solidFill>
-                  <a:srgbClr val="FF0000"/>
-                </a:solidFill>
-              </a:rPr>
-              <a:t>0.0, 0.0, 1.0, 1.0</a:t>
-            </a:r>
-            <a:r>
-              <a:rPr lang="en-US" altLang="ko-KR" dirty="0"/>
-              <a:t>};</a:t>
-            </a:r>
-          </a:p>
-        </p:txBody>
-      </p:sp>
-    </p:spTree>
-    <p:extLst>
-      <p:ext uri="{BB962C8B-B14F-4D97-AF65-F5344CB8AC3E}">
-        <p14:creationId xmlns:p14="http://schemas.microsoft.com/office/powerpoint/2010/main" val="1076247781"/>
-      </p:ext>
-    </p:extLst>
-  </p:cSld>
-  <p:clrMapOvr>
-    <a:masterClrMapping/>
-  </p:clrMapOvr>
-  <p:timing>
-    <p:tnLst>
-      <p:par>
-        <p:cTn id="1" dur="indefinite" restart="never" nodeType="tmRoot"/>
-      </p:par>
-    </p:tnLst>
-  </p:timing>
-</p:sld>
-</file>
-
 <file path=ppt/slides/slide31.xml><?xml version="1.0" encoding="utf-8"?>
 <p:sld xmlns:a="http://schemas.openxmlformats.org/drawingml/2006/main" xmlns:r="http://schemas.openxmlformats.org/officeDocument/2006/relationships" xmlns:p="http://schemas.openxmlformats.org/presentationml/2006/main">
   <p:cSld>
@@ -19790,6 +19557,188 @@
       </p:sp>
       <p:sp>
         <p:nvSpPr>
+          <p:cNvPr id="4" name="직사각형 3"/>
+          <p:cNvSpPr/>
+          <p:nvPr/>
+        </p:nvSpPr>
+        <p:spPr>
+          <a:xfrm>
+            <a:off x="1985467" y="3573016"/>
+            <a:ext cx="8190656" cy="923330"/>
+          </a:xfrm>
+          <a:prstGeom prst="rect">
+            <a:avLst/>
+          </a:prstGeom>
+        </p:spPr>
+        <p:txBody>
+          <a:bodyPr wrap="square">
+            <a:spAutoFit/>
+          </a:bodyPr>
+          <a:lstStyle/>
+          <a:p>
+            <a:pPr latinLnBrk="0"/>
+            <a:r>
+              <a:rPr lang="en-US" altLang="ko-KR" dirty="0"/>
+              <a:t>2. </a:t>
+            </a:r>
+            <a:r>
+              <a:rPr lang="ko-KR" altLang="en-US" dirty="0"/>
+              <a:t>합친</a:t>
+            </a:r>
+            <a:r>
+              <a:rPr lang="en-US" altLang="ko-KR" dirty="0"/>
+              <a:t> Array </a:t>
+            </a:r>
+            <a:r>
+              <a:rPr lang="ko-KR" altLang="en-US" dirty="0"/>
+              <a:t>생성</a:t>
+            </a:r>
+            <a:endParaRPr lang="en-US" altLang="ko-KR" dirty="0"/>
+          </a:p>
+          <a:p>
+            <a:pPr lvl="1" latinLnBrk="0"/>
+            <a:r>
+              <a:rPr lang="en-US" altLang="ko-KR" dirty="0"/>
+              <a:t>float </a:t>
+            </a:r>
+            <a:r>
+              <a:rPr lang="en-US" altLang="ko-KR" dirty="0" err="1"/>
+              <a:t>PositionColor</a:t>
+            </a:r>
+            <a:r>
+              <a:rPr lang="en-US" altLang="ko-KR" dirty="0"/>
+              <a:t>[21] = {</a:t>
+            </a:r>
+            <a:r>
+              <a:rPr lang="en-US" altLang="ko-KR" dirty="0">
+                <a:solidFill>
+                  <a:srgbClr val="0070C0"/>
+                </a:solidFill>
+              </a:rPr>
+              <a:t>0.0, 1.0, 0.0, </a:t>
+            </a:r>
+            <a:r>
+              <a:rPr lang="en-US" altLang="ko-KR" dirty="0">
+                <a:solidFill>
+                  <a:srgbClr val="FF0000"/>
+                </a:solidFill>
+              </a:rPr>
+              <a:t>1.0, 1.0, 1.0, 1.0, </a:t>
+            </a:r>
+            <a:r>
+              <a:rPr lang="en-US" altLang="ko-KR" dirty="0">
+                <a:solidFill>
+                  <a:srgbClr val="0070C0"/>
+                </a:solidFill>
+              </a:rPr>
+              <a:t>-1.0, -1.0, 0.0, </a:t>
+            </a:r>
+            <a:r>
+              <a:rPr lang="en-US" altLang="ko-KR" dirty="0">
+                <a:solidFill>
+                  <a:srgbClr val="FF0000"/>
+                </a:solidFill>
+              </a:rPr>
+              <a:t>1.0, 0.0, 0.0, 1.0, </a:t>
+            </a:r>
+            <a:r>
+              <a:rPr lang="en-US" altLang="ko-KR" dirty="0">
+                <a:solidFill>
+                  <a:srgbClr val="0070C0"/>
+                </a:solidFill>
+              </a:rPr>
+              <a:t>1.0, -1.0, 0.0, </a:t>
+            </a:r>
+            <a:r>
+              <a:rPr lang="en-US" altLang="ko-KR" dirty="0">
+                <a:solidFill>
+                  <a:srgbClr val="FF0000"/>
+                </a:solidFill>
+              </a:rPr>
+              <a:t>0.0, 0.0, 1.0, 1.0</a:t>
+            </a:r>
+            <a:r>
+              <a:rPr lang="en-US" altLang="ko-KR" dirty="0"/>
+              <a:t>};</a:t>
+            </a:r>
+          </a:p>
+        </p:txBody>
+      </p:sp>
+    </p:spTree>
+    <p:extLst>
+      <p:ext uri="{BB962C8B-B14F-4D97-AF65-F5344CB8AC3E}">
+        <p14:creationId xmlns:p14="http://schemas.microsoft.com/office/powerpoint/2010/main" val="1076247781"/>
+      </p:ext>
+    </p:extLst>
+  </p:cSld>
+  <p:clrMapOvr>
+    <a:masterClrMapping/>
+  </p:clrMapOvr>
+  <p:timing>
+    <p:tnLst>
+      <p:par>
+        <p:cTn id="1" dur="indefinite" restart="never" nodeType="tmRoot"/>
+      </p:par>
+    </p:tnLst>
+  </p:timing>
+</p:sld>
+</file>
+
+<file path=ppt/slides/slide32.xml><?xml version="1.0" encoding="utf-8"?>
+<p:sld xmlns:a="http://schemas.openxmlformats.org/drawingml/2006/main" xmlns:r="http://schemas.openxmlformats.org/officeDocument/2006/relationships" xmlns:p="http://schemas.openxmlformats.org/presentationml/2006/main">
+  <p:cSld>
+    <p:spTree>
+      <p:nvGrpSpPr>
+        <p:cNvPr id="1" name=""/>
+        <p:cNvGrpSpPr/>
+        <p:nvPr/>
+      </p:nvGrpSpPr>
+      <p:grpSpPr>
+        <a:xfrm>
+          <a:off x="0" y="0"/>
+          <a:ext cx="0" cy="0"/>
+          <a:chOff x="0" y="0"/>
+          <a:chExt cx="0" cy="0"/>
+        </a:xfrm>
+      </p:grpSpPr>
+      <p:sp>
+        <p:nvSpPr>
+          <p:cNvPr id="2" name="제목 1"/>
+          <p:cNvSpPr>
+            <a:spLocks noGrp="1"/>
+          </p:cNvSpPr>
+          <p:nvPr>
+            <p:ph type="title"/>
+          </p:nvPr>
+        </p:nvSpPr>
+        <p:spPr/>
+        <p:txBody>
+          <a:bodyPr>
+            <a:normAutofit/>
+          </a:bodyPr>
+          <a:lstStyle/>
+          <a:p>
+            <a:r>
+              <a:rPr lang="ko-KR" altLang="en-US" dirty="0" err="1"/>
+              <a:t>버텍스</a:t>
+            </a:r>
+            <a:r>
+              <a:rPr lang="ko-KR" altLang="en-US" dirty="0"/>
+              <a:t> </a:t>
+            </a:r>
+            <a:r>
+              <a:rPr lang="ko-KR" altLang="en-US" dirty="0" err="1"/>
+              <a:t>쉐이더</a:t>
+            </a:r>
+            <a:r>
+              <a:rPr lang="ko-KR" altLang="en-US" dirty="0"/>
+              <a:t> 입력 데이터 패킹</a:t>
+            </a:r>
+          </a:p>
+        </p:txBody>
+      </p:sp>
+      <p:sp>
+        <p:nvSpPr>
           <p:cNvPr id="3" name="TextBox 2"/>
           <p:cNvSpPr txBox="1"/>
           <p:nvPr/>
@@ -19847,29 +19796,155 @@
             </a:r>
             <a:r>
               <a:rPr lang="en-US" altLang="ko-KR" sz="1400" dirty="0"/>
-              <a:t>(GL_ARRAY_BUFFER</a:t>
+              <a:t>(GL_ARRAY_BUFFER, VBO);</a:t>
+            </a:r>
+          </a:p>
+          <a:p>
+            <a:r>
+              <a:rPr lang="en-US" altLang="ko-KR" sz="1400" dirty="0" err="1"/>
+              <a:t>glBufferData</a:t>
             </a:r>
             <a:r>
               <a:rPr lang="en-US" altLang="ko-KR" sz="1400" dirty="0"/>
-              <a:t>, VBO</a:t>
+              <a:t>(GL_ARRAY_BUFFER, </a:t>
+            </a:r>
+            <a:r>
+              <a:rPr lang="en-US" altLang="ko-KR" sz="1400" dirty="0" err="1"/>
+              <a:t>sizeof</a:t>
+            </a:r>
+            <a:r>
+              <a:rPr lang="en-US" altLang="ko-KR" sz="1400" dirty="0"/>
+              <a:t>(</a:t>
+            </a:r>
+            <a:r>
+              <a:rPr lang="en-US" altLang="ko-KR" sz="1400" dirty="0" err="1"/>
+              <a:t>PositionColor</a:t>
+            </a:r>
+            <a:r>
+              <a:rPr lang="en-US" altLang="ko-KR" sz="1400" dirty="0"/>
+              <a:t>), </a:t>
+            </a:r>
+            <a:r>
+              <a:rPr lang="en-US" altLang="ko-KR" sz="1400" dirty="0" err="1"/>
+              <a:t>PositionColor</a:t>
+            </a:r>
+            <a:r>
+              <a:rPr lang="en-US" altLang="ko-KR" sz="1400" dirty="0"/>
+              <a:t>, GL_STATIC_DRAW);</a:t>
+            </a:r>
+          </a:p>
+          <a:p>
+            <a:endParaRPr lang="en-US" altLang="ko-KR" sz="1400" dirty="0"/>
+          </a:p>
+          <a:p>
+            <a:r>
+              <a:rPr lang="en-US" altLang="ko-KR" sz="1400" dirty="0"/>
+              <a:t>//</a:t>
+            </a:r>
+            <a:r>
+              <a:rPr lang="ko-KR" altLang="en-US" sz="1400" dirty="0"/>
+              <a:t>사용시</a:t>
+            </a:r>
+            <a:endParaRPr lang="en-US" altLang="ko-KR" sz="1400" dirty="0"/>
+          </a:p>
+          <a:p>
+            <a:pPr latinLnBrk="0"/>
+            <a:r>
+              <a:rPr lang="en-US" altLang="ko-KR" sz="1400" dirty="0" err="1"/>
+              <a:t>int</a:t>
+            </a:r>
+            <a:r>
+              <a:rPr lang="en-US" altLang="ko-KR" sz="1400" dirty="0"/>
+              <a:t> </a:t>
+            </a:r>
+            <a:r>
+              <a:rPr lang="en-US" altLang="ko-KR" sz="1400" dirty="0" err="1"/>
+              <a:t>positionAttribID</a:t>
+            </a:r>
+            <a:r>
+              <a:rPr lang="en-US" altLang="ko-KR" sz="1400" dirty="0"/>
+              <a:t> </a:t>
+            </a:r>
+            <a:r>
+              <a:rPr lang="en-US" altLang="ko-KR" sz="1400" dirty="0" err="1"/>
+              <a:t>glGetAttribLocation</a:t>
+            </a:r>
+            <a:r>
+              <a:rPr lang="en-US" altLang="ko-KR" sz="1400" dirty="0"/>
+              <a:t>(</a:t>
+            </a:r>
+            <a:r>
+              <a:rPr lang="en-US" altLang="ko-KR" sz="1400" dirty="0" err="1"/>
+              <a:t>gShaderProgram</a:t>
+            </a:r>
+            <a:r>
+              <a:rPr lang="en-US" altLang="ko-KR" sz="1400" dirty="0"/>
+              <a:t>, "Position");</a:t>
+            </a:r>
+          </a:p>
+          <a:p>
+            <a:pPr latinLnBrk="0"/>
+            <a:r>
+              <a:rPr lang="en-US" altLang="ko-KR" sz="1400" dirty="0" err="1"/>
+              <a:t>int</a:t>
+            </a:r>
+            <a:r>
+              <a:rPr lang="en-US" altLang="ko-KR" sz="1400" dirty="0"/>
+              <a:t> </a:t>
+            </a:r>
+            <a:r>
+              <a:rPr lang="en-US" altLang="ko-KR" sz="1400" dirty="0" err="1"/>
+              <a:t>colorAttribID</a:t>
+            </a:r>
+            <a:r>
+              <a:rPr lang="en-US" altLang="ko-KR" sz="1400" dirty="0"/>
+              <a:t> </a:t>
+            </a:r>
+            <a:r>
+              <a:rPr lang="en-US" altLang="ko-KR" sz="1400" dirty="0" err="1"/>
+              <a:t>glGetAttribLocation</a:t>
+            </a:r>
+            <a:r>
+              <a:rPr lang="en-US" altLang="ko-KR" sz="1400" dirty="0"/>
+              <a:t>(</a:t>
+            </a:r>
+            <a:r>
+              <a:rPr lang="en-US" altLang="ko-KR" sz="1400" dirty="0" err="1"/>
+              <a:t>gShaderProgram</a:t>
+            </a:r>
+            <a:r>
+              <a:rPr lang="en-US" altLang="ko-KR" sz="1400" dirty="0"/>
+              <a:t>, “Color");</a:t>
+            </a:r>
+          </a:p>
+          <a:p>
+            <a:pPr latinLnBrk="0"/>
+            <a:endParaRPr lang="ko-KR" altLang="en-US" sz="1400" dirty="0"/>
+          </a:p>
+          <a:p>
+            <a:pPr latinLnBrk="0"/>
+            <a:r>
+              <a:rPr lang="en-US" altLang="ko-KR" sz="1400" dirty="0" err="1"/>
+              <a:t>glEnableVertexAttribArray</a:t>
+            </a:r>
+            <a:r>
+              <a:rPr lang="en-US" altLang="ko-KR" sz="1400" dirty="0"/>
+              <a:t>(</a:t>
+            </a:r>
+            <a:r>
+              <a:rPr lang="en-US" altLang="ko-KR" sz="1400" dirty="0" err="1"/>
+              <a:t>positionAttribID</a:t>
             </a:r>
             <a:r>
               <a:rPr lang="en-US" altLang="ko-KR" sz="1400" dirty="0"/>
               <a:t>);</a:t>
             </a:r>
+            <a:endParaRPr lang="ko-KR" altLang="en-US" sz="1400" dirty="0"/>
           </a:p>
           <a:p>
             <a:r>
               <a:rPr lang="en-US" altLang="ko-KR" sz="1400" dirty="0" err="1"/>
-              <a:t>glBufferData</a:t>
-            </a:r>
-            <a:r>
-              <a:rPr lang="en-US" altLang="ko-KR" sz="1400" dirty="0"/>
-              <a:t>(GL_ARRAY_BUFFER, </a:t>
-            </a:r>
-            <a:r>
-              <a:rPr lang="en-US" altLang="ko-KR" sz="1400" dirty="0" err="1"/>
-              <a:t>sizeof</a:t>
+              <a:t>glEnableVertexAttribArray</a:t>
             </a:r>
             <a:r>
               <a:rPr lang="en-US" altLang="ko-KR" sz="1400" dirty="0"/>
@@ -19877,45 +19952,34 @@
             </a:r>
             <a:r>
               <a:rPr lang="en-US" altLang="ko-KR" sz="1400" dirty="0" err="1"/>
-              <a:t>PositionColor</a:t>
+              <a:t>colorAttribID</a:t>
             </a:r>
             <a:r>
               <a:rPr lang="en-US" altLang="ko-KR" sz="1400" dirty="0"/>
-              <a:t>), </a:t>
-            </a:r>
+              <a:t>);</a:t>
+            </a:r>
+          </a:p>
+          <a:p>
+            <a:endParaRPr lang="en-US" altLang="ko-KR" sz="1400" dirty="0"/>
+          </a:p>
+          <a:p>
             <a:r>
               <a:rPr lang="en-US" altLang="ko-KR" sz="1400" dirty="0" err="1"/>
-              <a:t>PositionColor</a:t>
+              <a:t>glBindBuffer</a:t>
             </a:r>
             <a:r>
               <a:rPr lang="en-US" altLang="ko-KR" sz="1400" dirty="0"/>
-              <a:t>, GL_STATIC_DRAW);</a:t>
-            </a:r>
-            <a:endParaRPr lang="en-US" altLang="ko-KR" sz="1400" dirty="0"/>
-          </a:p>
-          <a:p>
-            <a:endParaRPr lang="en-US" altLang="ko-KR" sz="1400" dirty="0"/>
-          </a:p>
-          <a:p>
+              <a:t>(GL_ARRAY_BUFFER, VBO);</a:t>
+            </a:r>
+          </a:p>
+          <a:p>
+            <a:r>
+              <a:rPr lang="en-US" altLang="ko-KR" sz="1400" dirty="0" err="1"/>
+              <a:t>glVertexAttribPointer</a:t>
+            </a:r>
             <a:r>
               <a:rPr lang="en-US" altLang="ko-KR" sz="1400" dirty="0"/>
-              <a:t>//</a:t>
-            </a:r>
-            <a:r>
-              <a:rPr lang="ko-KR" altLang="en-US" sz="1400" dirty="0"/>
-              <a:t>사용시</a:t>
-            </a:r>
-            <a:endParaRPr lang="en-US" altLang="ko-KR" sz="1400" dirty="0"/>
-          </a:p>
-          <a:p>
-            <a:pPr latinLnBrk="0"/>
-            <a:r>
-              <a:rPr lang="en-US" altLang="ko-KR" sz="1400" dirty="0" err="1"/>
-              <a:t>int</a:t>
-            </a:r>
-            <a:r>
-              <a:rPr lang="en-US" altLang="ko-KR" sz="1400" dirty="0"/>
-              <a:t> </a:t>
+              <a:t>(</a:t>
             </a:r>
             <a:r>
               <a:rPr lang="en-US" altLang="ko-KR" sz="1400" dirty="0" err="1"/>
@@ -19923,136 +19987,7 @@
             </a:r>
             <a:r>
               <a:rPr lang="en-US" altLang="ko-KR" sz="1400" dirty="0"/>
-              <a:t> </a:t>
-            </a:r>
-            <a:r>
-              <a:rPr lang="en-US" altLang="ko-KR" sz="1400" dirty="0" err="1"/>
-              <a:t>glGetAttribLocation</a:t>
-            </a:r>
-            <a:r>
-              <a:rPr lang="en-US" altLang="ko-KR" sz="1400" dirty="0"/>
-              <a:t>(</a:t>
-            </a:r>
-            <a:r>
-              <a:rPr lang="en-US" altLang="ko-KR" sz="1400" dirty="0" err="1"/>
-              <a:t>gShaderProgram</a:t>
-            </a:r>
-            <a:r>
-              <a:rPr lang="en-US" altLang="ko-KR" sz="1400" dirty="0"/>
-              <a:t>, "Position");</a:t>
-            </a:r>
-          </a:p>
-          <a:p>
-            <a:pPr latinLnBrk="0"/>
-            <a:r>
-              <a:rPr lang="en-US" altLang="ko-KR" sz="1400" dirty="0" err="1"/>
-              <a:t>int</a:t>
-            </a:r>
-            <a:r>
-              <a:rPr lang="en-US" altLang="ko-KR" sz="1400" dirty="0"/>
-              <a:t> </a:t>
-            </a:r>
-            <a:r>
-              <a:rPr lang="en-US" altLang="ko-KR" sz="1400" dirty="0" err="1"/>
-              <a:t>colorAttribID</a:t>
-            </a:r>
-            <a:r>
-              <a:rPr lang="en-US" altLang="ko-KR" sz="1400" dirty="0"/>
-              <a:t> </a:t>
-            </a:r>
-            <a:r>
-              <a:rPr lang="en-US" altLang="ko-KR" sz="1400" dirty="0" err="1"/>
-              <a:t>glGetAttribLocation</a:t>
-            </a:r>
-            <a:r>
-              <a:rPr lang="en-US" altLang="ko-KR" sz="1400" dirty="0"/>
-              <a:t>(</a:t>
-            </a:r>
-            <a:r>
-              <a:rPr lang="en-US" altLang="ko-KR" sz="1400" dirty="0" err="1"/>
-              <a:t>gShaderProgram</a:t>
-            </a:r>
-            <a:r>
-              <a:rPr lang="en-US" altLang="ko-KR" sz="1400" dirty="0"/>
-              <a:t>, “Color");</a:t>
-            </a:r>
-          </a:p>
-          <a:p>
-            <a:pPr latinLnBrk="0"/>
-            <a:endParaRPr lang="ko-KR" altLang="en-US" sz="1400" dirty="0"/>
-          </a:p>
-          <a:p>
-            <a:pPr latinLnBrk="0"/>
-            <a:r>
-              <a:rPr lang="en-US" altLang="ko-KR" sz="1400" dirty="0" err="1"/>
-              <a:t>glEnableVertexAttribArray</a:t>
-            </a:r>
-            <a:r>
-              <a:rPr lang="en-US" altLang="ko-KR" sz="1400" dirty="0"/>
-              <a:t>(</a:t>
-            </a:r>
-            <a:r>
-              <a:rPr lang="en-US" altLang="ko-KR" sz="1400" dirty="0" err="1"/>
-              <a:t>positionAttribID</a:t>
-            </a:r>
-            <a:r>
-              <a:rPr lang="en-US" altLang="ko-KR" sz="1400" dirty="0"/>
-              <a:t>);</a:t>
-            </a:r>
-            <a:endParaRPr lang="ko-KR" altLang="en-US" sz="1400" dirty="0"/>
-          </a:p>
-          <a:p>
-            <a:r>
-              <a:rPr lang="en-US" altLang="ko-KR" sz="1400" dirty="0" err="1"/>
-              <a:t>glEnableVertexAttribArray</a:t>
-            </a:r>
-            <a:r>
-              <a:rPr lang="en-US" altLang="ko-KR" sz="1400" dirty="0"/>
-              <a:t>(</a:t>
-            </a:r>
-            <a:r>
-              <a:rPr lang="en-US" altLang="ko-KR" sz="1400" dirty="0" err="1"/>
-              <a:t>colorAttribID</a:t>
-            </a:r>
-            <a:r>
-              <a:rPr lang="en-US" altLang="ko-KR" sz="1400" dirty="0"/>
-              <a:t>);</a:t>
-            </a:r>
-            <a:endParaRPr lang="en-US" altLang="ko-KR" sz="1400" dirty="0"/>
-          </a:p>
-          <a:p>
-            <a:endParaRPr lang="en-US" altLang="ko-KR" sz="1400" dirty="0"/>
-          </a:p>
-          <a:p>
-            <a:r>
-              <a:rPr lang="en-US" altLang="ko-KR" sz="1400" dirty="0" err="1"/>
-              <a:t>glBindBuffer</a:t>
-            </a:r>
-            <a:r>
-              <a:rPr lang="en-US" altLang="ko-KR" sz="1400" dirty="0"/>
-              <a:t>(GL_ARRAY_BUFFER, VBO);</a:t>
-            </a:r>
-          </a:p>
-          <a:p>
-            <a:r>
-              <a:rPr lang="en-US" altLang="ko-KR" sz="1400" dirty="0" err="1"/>
-              <a:t>glVertexAttribPointer</a:t>
-            </a:r>
-            <a:r>
-              <a:rPr lang="en-US" altLang="ko-KR" sz="1400" dirty="0"/>
-              <a:t>(</a:t>
-            </a:r>
-            <a:r>
-              <a:rPr lang="en-US" altLang="ko-KR" sz="1400" dirty="0" err="1"/>
-              <a:t>positionAttribID</a:t>
-            </a:r>
-            <a:r>
-              <a:rPr lang="en-US" altLang="ko-KR" sz="1400" dirty="0"/>
-              <a:t>, </a:t>
-            </a:r>
-            <a:r>
-              <a:rPr lang="en-US" altLang="ko-KR" sz="1400" dirty="0"/>
-              <a:t>3, GL_FLOAT, GL_FALSE, </a:t>
+              <a:t>, 3, GL_FLOAT, GL_FALSE, </a:t>
             </a:r>
             <a:r>
               <a:rPr lang="en-US" altLang="ko-KR" sz="1400" dirty="0">
@@ -20080,15 +20015,7 @@
             </a:r>
             <a:r>
               <a:rPr lang="en-US" altLang="ko-KR" sz="1400" dirty="0"/>
-              <a:t>, </a:t>
-            </a:r>
-            <a:r>
-              <a:rPr lang="en-US" altLang="ko-KR" sz="1400" dirty="0"/>
-              <a:t>0</a:t>
-            </a:r>
-            <a:r>
-              <a:rPr lang="en-US" altLang="ko-KR" sz="1400" dirty="0"/>
-              <a:t>); </a:t>
+              <a:t>, 0); </a:t>
             </a:r>
           </a:p>
           <a:p>
@@ -20106,11 +20033,7 @@
             </a:r>
             <a:r>
               <a:rPr lang="en-US" altLang="ko-KR" sz="1400" dirty="0"/>
-              <a:t>, 4, </a:t>
-            </a:r>
-            <a:r>
-              <a:rPr lang="en-US" altLang="ko-KR" sz="1400" dirty="0"/>
-              <a:t>GL_FLOAT, GL_FALSE, </a:t>
+              <a:t>, 4, GL_FLOAT, GL_FALSE, </a:t>
             </a:r>
             <a:r>
               <a:rPr lang="en-US" altLang="ko-KR" sz="1400" dirty="0">
@@ -20184,7 +20107,6 @@
               <a:rPr lang="en-US" altLang="ko-KR" sz="1400" dirty="0"/>
               <a:t>);</a:t>
             </a:r>
-            <a:endParaRPr lang="en-US" altLang="ko-KR" sz="1400" dirty="0"/>
           </a:p>
           <a:p>
             <a:endParaRPr lang="en-US" altLang="ko-KR" sz="1400" dirty="0"/>
@@ -20196,11 +20118,7 @@
             </a:r>
             <a:r>
               <a:rPr lang="en-US" altLang="ko-KR" sz="1400" dirty="0"/>
-              <a:t>(GL_TRIANGLES, 0, 3</a:t>
-            </a:r>
-            <a:r>
-              <a:rPr lang="en-US" altLang="ko-KR" sz="1400" dirty="0"/>
-              <a:t>);</a:t>
+              <a:t>(GL_TRIANGLES, 0, 3);</a:t>
             </a:r>
           </a:p>
         </p:txBody>
@@ -20619,160 +20537,6 @@
 </p:sld>
 </file>
 
-<file path=ppt/slides/slide32.xml><?xml version="1.0" encoding="utf-8"?>
-<p:sld xmlns:a="http://schemas.openxmlformats.org/drawingml/2006/main" xmlns:r="http://schemas.openxmlformats.org/officeDocument/2006/relationships" xmlns:p="http://schemas.openxmlformats.org/presentationml/2006/main">
-  <p:cSld>
-    <p:spTree>
-      <p:nvGrpSpPr>
-        <p:cNvPr id="1" name=""/>
-        <p:cNvGrpSpPr/>
-        <p:nvPr/>
-      </p:nvGrpSpPr>
-      <p:grpSpPr>
-        <a:xfrm>
-          <a:off x="0" y="0"/>
-          <a:ext cx="0" cy="0"/>
-          <a:chOff x="0" y="0"/>
-          <a:chExt cx="0" cy="0"/>
-        </a:xfrm>
-      </p:grpSpPr>
-      <p:sp>
-        <p:nvSpPr>
-          <p:cNvPr id="2" name="제목 1"/>
-          <p:cNvSpPr>
-            <a:spLocks noGrp="1"/>
-          </p:cNvSpPr>
-          <p:nvPr>
-            <p:ph type="title"/>
-          </p:nvPr>
-        </p:nvSpPr>
-        <p:spPr/>
-        <p:txBody>
-          <a:bodyPr>
-            <a:normAutofit/>
-          </a:bodyPr>
-          <a:lstStyle/>
-          <a:p>
-            <a:r>
-              <a:rPr lang="ko-KR" altLang="en-US" dirty="0" err="1"/>
-              <a:t>버텍스</a:t>
-            </a:r>
-            <a:r>
-              <a:rPr lang="ko-KR" altLang="en-US" dirty="0"/>
-              <a:t> </a:t>
-            </a:r>
-            <a:r>
-              <a:rPr lang="ko-KR" altLang="en-US" dirty="0" err="1"/>
-              <a:t>쉐이더</a:t>
-            </a:r>
-            <a:r>
-              <a:rPr lang="ko-KR" altLang="en-US" dirty="0"/>
-              <a:t> 입력 데이터 패킹</a:t>
-            </a:r>
-          </a:p>
-        </p:txBody>
-      </p:sp>
-      <p:sp>
-        <p:nvSpPr>
-          <p:cNvPr id="4" name="직사각형 3"/>
-          <p:cNvSpPr/>
-          <p:nvPr/>
-        </p:nvSpPr>
-        <p:spPr>
-          <a:xfrm>
-            <a:off x="1985467" y="3573016"/>
-            <a:ext cx="8190656" cy="923330"/>
-          </a:xfrm>
-          <a:prstGeom prst="rect">
-            <a:avLst/>
-          </a:prstGeom>
-        </p:spPr>
-        <p:txBody>
-          <a:bodyPr wrap="square">
-            <a:spAutoFit/>
-          </a:bodyPr>
-          <a:lstStyle/>
-          <a:p>
-            <a:pPr latinLnBrk="0"/>
-            <a:r>
-              <a:rPr lang="en-US" altLang="ko-KR" dirty="0"/>
-              <a:t>2. </a:t>
-            </a:r>
-            <a:r>
-              <a:rPr lang="ko-KR" altLang="en-US" dirty="0"/>
-              <a:t>합친</a:t>
-            </a:r>
-            <a:r>
-              <a:rPr lang="en-US" altLang="ko-KR" dirty="0"/>
-              <a:t> </a:t>
-            </a:r>
-            <a:r>
-              <a:rPr lang="en-US" altLang="ko-KR" dirty="0"/>
-              <a:t>Array </a:t>
-            </a:r>
-            <a:r>
-              <a:rPr lang="ko-KR" altLang="en-US" dirty="0"/>
-              <a:t>생성</a:t>
-            </a:r>
-            <a:endParaRPr lang="en-US" altLang="ko-KR" dirty="0"/>
-          </a:p>
-          <a:p>
-            <a:pPr lvl="1" latinLnBrk="0"/>
-            <a:r>
-              <a:rPr lang="en-US" altLang="ko-KR" dirty="0"/>
-              <a:t>float </a:t>
-            </a:r>
-            <a:r>
-              <a:rPr lang="en-US" altLang="ko-KR" dirty="0" err="1"/>
-              <a:t>PositionColor</a:t>
-            </a:r>
-            <a:r>
-              <a:rPr lang="en-US" altLang="ko-KR" dirty="0"/>
-              <a:t>[21] = {</a:t>
-            </a:r>
-            <a:r>
-              <a:rPr lang="en-US" altLang="ko-KR" dirty="0">
-                <a:solidFill>
-                  <a:srgbClr val="0070C0"/>
-                </a:solidFill>
-              </a:rPr>
-              <a:t>0.0, 1.0, 0.0, -1.0, -1.0, 0.0, 1.0, -1.0, 0.0, </a:t>
-            </a:r>
-            <a:r>
-              <a:rPr lang="en-US" altLang="ko-KR" dirty="0">
-                <a:solidFill>
-                  <a:srgbClr val="FF0000"/>
-                </a:solidFill>
-              </a:rPr>
-              <a:t>1.0, 1.0, 1.0, 1.0, 1.0, 0.0, 0.0, 1.0, 0.0, 0.0, 1.0, 1.0</a:t>
-            </a:r>
-            <a:r>
-              <a:rPr lang="en-US" altLang="ko-KR" dirty="0"/>
-              <a:t>};</a:t>
-            </a:r>
-          </a:p>
-        </p:txBody>
-      </p:sp>
-    </p:spTree>
-    <p:extLst>
-      <p:ext uri="{BB962C8B-B14F-4D97-AF65-F5344CB8AC3E}">
-        <p14:creationId xmlns:p14="http://schemas.microsoft.com/office/powerpoint/2010/main" val="2942158750"/>
-      </p:ext>
-    </p:extLst>
-  </p:cSld>
-  <p:clrMapOvr>
-    <a:masterClrMapping/>
-  </p:clrMapOvr>
-  <p:timing>
-    <p:tnLst>
-      <p:par>
-        <p:cTn id="1" dur="indefinite" restart="never" nodeType="tmRoot"/>
-      </p:par>
-    </p:tnLst>
-  </p:timing>
-</p:sld>
-</file>
-
 <file path=ppt/slides/slide33.xml><?xml version="1.0" encoding="utf-8"?>
 <p:sld xmlns:a="http://schemas.openxmlformats.org/drawingml/2006/main" xmlns:r="http://schemas.openxmlformats.org/officeDocument/2006/relationships" xmlns:p="http://schemas.openxmlformats.org/presentationml/2006/main">
   <p:cSld>
@@ -20828,6 +20592,156 @@
       </p:sp>
       <p:sp>
         <p:nvSpPr>
+          <p:cNvPr id="4" name="직사각형 3"/>
+          <p:cNvSpPr/>
+          <p:nvPr/>
+        </p:nvSpPr>
+        <p:spPr>
+          <a:xfrm>
+            <a:off x="1985467" y="3573016"/>
+            <a:ext cx="8190656" cy="923330"/>
+          </a:xfrm>
+          <a:prstGeom prst="rect">
+            <a:avLst/>
+          </a:prstGeom>
+        </p:spPr>
+        <p:txBody>
+          <a:bodyPr wrap="square">
+            <a:spAutoFit/>
+          </a:bodyPr>
+          <a:lstStyle/>
+          <a:p>
+            <a:pPr latinLnBrk="0"/>
+            <a:r>
+              <a:rPr lang="en-US" altLang="ko-KR" dirty="0"/>
+              <a:t>2. </a:t>
+            </a:r>
+            <a:r>
+              <a:rPr lang="ko-KR" altLang="en-US" dirty="0"/>
+              <a:t>합친</a:t>
+            </a:r>
+            <a:r>
+              <a:rPr lang="en-US" altLang="ko-KR" dirty="0"/>
+              <a:t> Array </a:t>
+            </a:r>
+            <a:r>
+              <a:rPr lang="ko-KR" altLang="en-US" dirty="0"/>
+              <a:t>생성</a:t>
+            </a:r>
+            <a:endParaRPr lang="en-US" altLang="ko-KR" dirty="0"/>
+          </a:p>
+          <a:p>
+            <a:pPr lvl="1" latinLnBrk="0"/>
+            <a:r>
+              <a:rPr lang="en-US" altLang="ko-KR" dirty="0"/>
+              <a:t>float </a:t>
+            </a:r>
+            <a:r>
+              <a:rPr lang="en-US" altLang="ko-KR" dirty="0" err="1"/>
+              <a:t>PositionColor</a:t>
+            </a:r>
+            <a:r>
+              <a:rPr lang="en-US" altLang="ko-KR" dirty="0"/>
+              <a:t>[21] = {</a:t>
+            </a:r>
+            <a:r>
+              <a:rPr lang="en-US" altLang="ko-KR" dirty="0">
+                <a:solidFill>
+                  <a:srgbClr val="0070C0"/>
+                </a:solidFill>
+              </a:rPr>
+              <a:t>0.0, 1.0, 0.0, -1.0, -1.0, 0.0, 1.0, -1.0, 0.0, </a:t>
+            </a:r>
+            <a:r>
+              <a:rPr lang="en-US" altLang="ko-KR" dirty="0">
+                <a:solidFill>
+                  <a:srgbClr val="FF0000"/>
+                </a:solidFill>
+              </a:rPr>
+              <a:t>1.0, 1.0, 1.0, 1.0, 1.0, 0.0, 0.0, 1.0, 0.0, 0.0, 1.0, 1.0</a:t>
+            </a:r>
+            <a:r>
+              <a:rPr lang="en-US" altLang="ko-KR" dirty="0"/>
+              <a:t>};</a:t>
+            </a:r>
+          </a:p>
+        </p:txBody>
+      </p:sp>
+    </p:spTree>
+    <p:extLst>
+      <p:ext uri="{BB962C8B-B14F-4D97-AF65-F5344CB8AC3E}">
+        <p14:creationId xmlns:p14="http://schemas.microsoft.com/office/powerpoint/2010/main" val="2942158750"/>
+      </p:ext>
+    </p:extLst>
+  </p:cSld>
+  <p:clrMapOvr>
+    <a:masterClrMapping/>
+  </p:clrMapOvr>
+  <p:timing>
+    <p:tnLst>
+      <p:par>
+        <p:cTn id="1" dur="indefinite" restart="never" nodeType="tmRoot"/>
+      </p:par>
+    </p:tnLst>
+  </p:timing>
+</p:sld>
+</file>
+
+<file path=ppt/slides/slide34.xml><?xml version="1.0" encoding="utf-8"?>
+<p:sld xmlns:a="http://schemas.openxmlformats.org/drawingml/2006/main" xmlns:r="http://schemas.openxmlformats.org/officeDocument/2006/relationships" xmlns:p="http://schemas.openxmlformats.org/presentationml/2006/main">
+  <p:cSld>
+    <p:spTree>
+      <p:nvGrpSpPr>
+        <p:cNvPr id="1" name=""/>
+        <p:cNvGrpSpPr/>
+        <p:nvPr/>
+      </p:nvGrpSpPr>
+      <p:grpSpPr>
+        <a:xfrm>
+          <a:off x="0" y="0"/>
+          <a:ext cx="0" cy="0"/>
+          <a:chOff x="0" y="0"/>
+          <a:chExt cx="0" cy="0"/>
+        </a:xfrm>
+      </p:grpSpPr>
+      <p:sp>
+        <p:nvSpPr>
+          <p:cNvPr id="2" name="제목 1"/>
+          <p:cNvSpPr>
+            <a:spLocks noGrp="1"/>
+          </p:cNvSpPr>
+          <p:nvPr>
+            <p:ph type="title"/>
+          </p:nvPr>
+        </p:nvSpPr>
+        <p:spPr/>
+        <p:txBody>
+          <a:bodyPr>
+            <a:normAutofit/>
+          </a:bodyPr>
+          <a:lstStyle/>
+          <a:p>
+            <a:r>
+              <a:rPr lang="ko-KR" altLang="en-US" dirty="0" err="1"/>
+              <a:t>버텍스</a:t>
+            </a:r>
+            <a:r>
+              <a:rPr lang="ko-KR" altLang="en-US" dirty="0"/>
+              <a:t> </a:t>
+            </a:r>
+            <a:r>
+              <a:rPr lang="ko-KR" altLang="en-US" dirty="0" err="1"/>
+              <a:t>쉐이더</a:t>
+            </a:r>
+            <a:r>
+              <a:rPr lang="ko-KR" altLang="en-US" dirty="0"/>
+              <a:t> 입력 데이터 패킹</a:t>
+            </a:r>
+          </a:p>
+        </p:txBody>
+      </p:sp>
+      <p:sp>
+        <p:nvSpPr>
           <p:cNvPr id="3" name="TextBox 2"/>
           <p:cNvSpPr txBox="1"/>
           <p:nvPr/>
@@ -20885,29 +20799,155 @@
             </a:r>
             <a:r>
               <a:rPr lang="en-US" altLang="ko-KR" sz="1400" dirty="0"/>
-              <a:t>(GL_ARRAY_BUFFER</a:t>
+              <a:t>(GL_ARRAY_BUFFER, VBO);</a:t>
+            </a:r>
+          </a:p>
+          <a:p>
+            <a:r>
+              <a:rPr lang="en-US" altLang="ko-KR" sz="1400" dirty="0" err="1"/>
+              <a:t>glBufferData</a:t>
             </a:r>
             <a:r>
               <a:rPr lang="en-US" altLang="ko-KR" sz="1400" dirty="0"/>
-              <a:t>, VBO</a:t>
+              <a:t>(GL_ARRAY_BUFFER, </a:t>
+            </a:r>
+            <a:r>
+              <a:rPr lang="en-US" altLang="ko-KR" sz="1400" dirty="0" err="1"/>
+              <a:t>sizeof</a:t>
+            </a:r>
+            <a:r>
+              <a:rPr lang="en-US" altLang="ko-KR" sz="1400" dirty="0"/>
+              <a:t>(</a:t>
+            </a:r>
+            <a:r>
+              <a:rPr lang="en-US" altLang="ko-KR" sz="1400" dirty="0" err="1"/>
+              <a:t>PositionColor</a:t>
+            </a:r>
+            <a:r>
+              <a:rPr lang="en-US" altLang="ko-KR" sz="1400" dirty="0"/>
+              <a:t>), </a:t>
+            </a:r>
+            <a:r>
+              <a:rPr lang="en-US" altLang="ko-KR" sz="1400" dirty="0" err="1"/>
+              <a:t>PositionColor</a:t>
+            </a:r>
+            <a:r>
+              <a:rPr lang="en-US" altLang="ko-KR" sz="1400" dirty="0"/>
+              <a:t>, GL_STATIC_DRAW);</a:t>
+            </a:r>
+          </a:p>
+          <a:p>
+            <a:endParaRPr lang="en-US" altLang="ko-KR" sz="1400" dirty="0"/>
+          </a:p>
+          <a:p>
+            <a:r>
+              <a:rPr lang="en-US" altLang="ko-KR" sz="1400" dirty="0"/>
+              <a:t>//</a:t>
+            </a:r>
+            <a:r>
+              <a:rPr lang="ko-KR" altLang="en-US" sz="1400" dirty="0"/>
+              <a:t>사용시</a:t>
+            </a:r>
+            <a:endParaRPr lang="en-US" altLang="ko-KR" sz="1400" dirty="0"/>
+          </a:p>
+          <a:p>
+            <a:pPr latinLnBrk="0"/>
+            <a:r>
+              <a:rPr lang="en-US" altLang="ko-KR" sz="1400" dirty="0" err="1"/>
+              <a:t>int</a:t>
+            </a:r>
+            <a:r>
+              <a:rPr lang="en-US" altLang="ko-KR" sz="1400" dirty="0"/>
+              <a:t> </a:t>
+            </a:r>
+            <a:r>
+              <a:rPr lang="en-US" altLang="ko-KR" sz="1400" dirty="0" err="1"/>
+              <a:t>positionAttribID</a:t>
+            </a:r>
+            <a:r>
+              <a:rPr lang="en-US" altLang="ko-KR" sz="1400" dirty="0"/>
+              <a:t> </a:t>
+            </a:r>
+            <a:r>
+              <a:rPr lang="en-US" altLang="ko-KR" sz="1400" dirty="0" err="1"/>
+              <a:t>glGetAttribLocation</a:t>
+            </a:r>
+            <a:r>
+              <a:rPr lang="en-US" altLang="ko-KR" sz="1400" dirty="0"/>
+              <a:t>(</a:t>
+            </a:r>
+            <a:r>
+              <a:rPr lang="en-US" altLang="ko-KR" sz="1400" dirty="0" err="1"/>
+              <a:t>gShaderProgram</a:t>
+            </a:r>
+            <a:r>
+              <a:rPr lang="en-US" altLang="ko-KR" sz="1400" dirty="0"/>
+              <a:t>, "Position");</a:t>
+            </a:r>
+          </a:p>
+          <a:p>
+            <a:pPr latinLnBrk="0"/>
+            <a:r>
+              <a:rPr lang="en-US" altLang="ko-KR" sz="1400" dirty="0" err="1"/>
+              <a:t>int</a:t>
+            </a:r>
+            <a:r>
+              <a:rPr lang="en-US" altLang="ko-KR" sz="1400" dirty="0"/>
+              <a:t> </a:t>
+            </a:r>
+            <a:r>
+              <a:rPr lang="en-US" altLang="ko-KR" sz="1400" dirty="0" err="1"/>
+              <a:t>colorAttribID</a:t>
+            </a:r>
+            <a:r>
+              <a:rPr lang="en-US" altLang="ko-KR" sz="1400" dirty="0"/>
+              <a:t> </a:t>
+            </a:r>
+            <a:r>
+              <a:rPr lang="en-US" altLang="ko-KR" sz="1400" dirty="0" err="1"/>
+              <a:t>glGetAttribLocation</a:t>
+            </a:r>
+            <a:r>
+              <a:rPr lang="en-US" altLang="ko-KR" sz="1400" dirty="0"/>
+              <a:t>(</a:t>
+            </a:r>
+            <a:r>
+              <a:rPr lang="en-US" altLang="ko-KR" sz="1400" dirty="0" err="1"/>
+              <a:t>gShaderProgram</a:t>
+            </a:r>
+            <a:r>
+              <a:rPr lang="en-US" altLang="ko-KR" sz="1400" dirty="0"/>
+              <a:t>, “Color");</a:t>
+            </a:r>
+          </a:p>
+          <a:p>
+            <a:pPr latinLnBrk="0"/>
+            <a:endParaRPr lang="ko-KR" altLang="en-US" sz="1400" dirty="0"/>
+          </a:p>
+          <a:p>
+            <a:pPr latinLnBrk="0"/>
+            <a:r>
+              <a:rPr lang="en-US" altLang="ko-KR" sz="1400" dirty="0" err="1"/>
+              <a:t>glEnableVertexAttribArray</a:t>
+            </a:r>
+            <a:r>
+              <a:rPr lang="en-US" altLang="ko-KR" sz="1400" dirty="0"/>
+              <a:t>(</a:t>
+            </a:r>
+            <a:r>
+              <a:rPr lang="en-US" altLang="ko-KR" sz="1400" dirty="0" err="1"/>
+              <a:t>positionAttribID</a:t>
             </a:r>
             <a:r>
               <a:rPr lang="en-US" altLang="ko-KR" sz="1400" dirty="0"/>
               <a:t>);</a:t>
             </a:r>
+            <a:endParaRPr lang="ko-KR" altLang="en-US" sz="1400" dirty="0"/>
           </a:p>
           <a:p>
             <a:r>
               <a:rPr lang="en-US" altLang="ko-KR" sz="1400" dirty="0" err="1"/>
-              <a:t>glBufferData</a:t>
-            </a:r>
-            <a:r>
-              <a:rPr lang="en-US" altLang="ko-KR" sz="1400" dirty="0"/>
-              <a:t>(GL_ARRAY_BUFFER, </a:t>
-            </a:r>
-            <a:r>
-              <a:rPr lang="en-US" altLang="ko-KR" sz="1400" dirty="0" err="1"/>
-              <a:t>sizeof</a:t>
+              <a:t>glEnableVertexAttribArray</a:t>
             </a:r>
             <a:r>
               <a:rPr lang="en-US" altLang="ko-KR" sz="1400" dirty="0"/>
@@ -20915,45 +20955,34 @@
             </a:r>
             <a:r>
               <a:rPr lang="en-US" altLang="ko-KR" sz="1400" dirty="0" err="1"/>
-              <a:t>PositionColor</a:t>
+              <a:t>colorAttribID</a:t>
             </a:r>
             <a:r>
               <a:rPr lang="en-US" altLang="ko-KR" sz="1400" dirty="0"/>
-              <a:t>), </a:t>
-            </a:r>
+              <a:t>);</a:t>
+            </a:r>
+          </a:p>
+          <a:p>
+            <a:endParaRPr lang="en-US" altLang="ko-KR" sz="1400" dirty="0"/>
+          </a:p>
+          <a:p>
             <a:r>
               <a:rPr lang="en-US" altLang="ko-KR" sz="1400" dirty="0" err="1"/>
-              <a:t>PositionColor</a:t>
+              <a:t>glBindBuffer</a:t>
             </a:r>
             <a:r>
               <a:rPr lang="en-US" altLang="ko-KR" sz="1400" dirty="0"/>
-              <a:t>, GL_STATIC_DRAW);</a:t>
-            </a:r>
-            <a:endParaRPr lang="en-US" altLang="ko-KR" sz="1400" dirty="0"/>
-          </a:p>
-          <a:p>
-            <a:endParaRPr lang="en-US" altLang="ko-KR" sz="1400" dirty="0"/>
-          </a:p>
-          <a:p>
+              <a:t>(GL_ARRAY_BUFFER, VBO);</a:t>
+            </a:r>
+          </a:p>
+          <a:p>
+            <a:r>
+              <a:rPr lang="en-US" altLang="ko-KR" sz="1400" dirty="0" err="1"/>
+              <a:t>glVertexAttribPointer</a:t>
+            </a:r>
             <a:r>
               <a:rPr lang="en-US" altLang="ko-KR" sz="1400" dirty="0"/>
-              <a:t>//</a:t>
-            </a:r>
-            <a:r>
-              <a:rPr lang="ko-KR" altLang="en-US" sz="1400" dirty="0"/>
-              <a:t>사용시</a:t>
-            </a:r>
-            <a:endParaRPr lang="en-US" altLang="ko-KR" sz="1400" dirty="0"/>
-          </a:p>
-          <a:p>
-            <a:pPr latinLnBrk="0"/>
-            <a:r>
-              <a:rPr lang="en-US" altLang="ko-KR" sz="1400" dirty="0" err="1"/>
-              <a:t>int</a:t>
-            </a:r>
-            <a:r>
-              <a:rPr lang="en-US" altLang="ko-KR" sz="1400" dirty="0"/>
-              <a:t> </a:t>
+              <a:t>(</a:t>
             </a:r>
             <a:r>
               <a:rPr lang="en-US" altLang="ko-KR" sz="1400" dirty="0" err="1"/>
@@ -20961,136 +20990,7 @@
             </a:r>
             <a:r>
               <a:rPr lang="en-US" altLang="ko-KR" sz="1400" dirty="0"/>
-              <a:t> </a:t>
-            </a:r>
-            <a:r>
-              <a:rPr lang="en-US" altLang="ko-KR" sz="1400" dirty="0" err="1"/>
-              <a:t>glGetAttribLocation</a:t>
-            </a:r>
-            <a:r>
-              <a:rPr lang="en-US" altLang="ko-KR" sz="1400" dirty="0"/>
-              <a:t>(</a:t>
-            </a:r>
-            <a:r>
-              <a:rPr lang="en-US" altLang="ko-KR" sz="1400" dirty="0" err="1"/>
-              <a:t>gShaderProgram</a:t>
-            </a:r>
-            <a:r>
-              <a:rPr lang="en-US" altLang="ko-KR" sz="1400" dirty="0"/>
-              <a:t>, "Position");</a:t>
-            </a:r>
-          </a:p>
-          <a:p>
-            <a:pPr latinLnBrk="0"/>
-            <a:r>
-              <a:rPr lang="en-US" altLang="ko-KR" sz="1400" dirty="0" err="1"/>
-              <a:t>int</a:t>
-            </a:r>
-            <a:r>
-              <a:rPr lang="en-US" altLang="ko-KR" sz="1400" dirty="0"/>
-              <a:t> </a:t>
-            </a:r>
-            <a:r>
-              <a:rPr lang="en-US" altLang="ko-KR" sz="1400" dirty="0" err="1"/>
-              <a:t>colorAttribID</a:t>
-            </a:r>
-            <a:r>
-              <a:rPr lang="en-US" altLang="ko-KR" sz="1400" dirty="0"/>
-              <a:t> </a:t>
-            </a:r>
-            <a:r>
-              <a:rPr lang="en-US" altLang="ko-KR" sz="1400" dirty="0" err="1"/>
-              <a:t>glGetAttribLocation</a:t>
-            </a:r>
-            <a:r>
-              <a:rPr lang="en-US" altLang="ko-KR" sz="1400" dirty="0"/>
-              <a:t>(</a:t>
-            </a:r>
-            <a:r>
-              <a:rPr lang="en-US" altLang="ko-KR" sz="1400" dirty="0" err="1"/>
-              <a:t>gShaderProgram</a:t>
-            </a:r>
-            <a:r>
-              <a:rPr lang="en-US" altLang="ko-KR" sz="1400" dirty="0"/>
-              <a:t>, “Color");</a:t>
-            </a:r>
-          </a:p>
-          <a:p>
-            <a:pPr latinLnBrk="0"/>
-            <a:endParaRPr lang="ko-KR" altLang="en-US" sz="1400" dirty="0"/>
-          </a:p>
-          <a:p>
-            <a:pPr latinLnBrk="0"/>
-            <a:r>
-              <a:rPr lang="en-US" altLang="ko-KR" sz="1400" dirty="0" err="1"/>
-              <a:t>glEnableVertexAttribArray</a:t>
-            </a:r>
-            <a:r>
-              <a:rPr lang="en-US" altLang="ko-KR" sz="1400" dirty="0"/>
-              <a:t>(</a:t>
-            </a:r>
-            <a:r>
-              <a:rPr lang="en-US" altLang="ko-KR" sz="1400" dirty="0" err="1"/>
-              <a:t>positionAttribID</a:t>
-            </a:r>
-            <a:r>
-              <a:rPr lang="en-US" altLang="ko-KR" sz="1400" dirty="0"/>
-              <a:t>);</a:t>
-            </a:r>
-            <a:endParaRPr lang="ko-KR" altLang="en-US" sz="1400" dirty="0"/>
-          </a:p>
-          <a:p>
-            <a:r>
-              <a:rPr lang="en-US" altLang="ko-KR" sz="1400" dirty="0" err="1"/>
-              <a:t>glEnableVertexAttribArray</a:t>
-            </a:r>
-            <a:r>
-              <a:rPr lang="en-US" altLang="ko-KR" sz="1400" dirty="0"/>
-              <a:t>(</a:t>
-            </a:r>
-            <a:r>
-              <a:rPr lang="en-US" altLang="ko-KR" sz="1400" dirty="0" err="1"/>
-              <a:t>colorAttribID</a:t>
-            </a:r>
-            <a:r>
-              <a:rPr lang="en-US" altLang="ko-KR" sz="1400" dirty="0"/>
-              <a:t>);</a:t>
-            </a:r>
-            <a:endParaRPr lang="en-US" altLang="ko-KR" sz="1400" dirty="0"/>
-          </a:p>
-          <a:p>
-            <a:endParaRPr lang="en-US" altLang="ko-KR" sz="1400" dirty="0"/>
-          </a:p>
-          <a:p>
-            <a:r>
-              <a:rPr lang="en-US" altLang="ko-KR" sz="1400" dirty="0" err="1"/>
-              <a:t>glBindBuffer</a:t>
-            </a:r>
-            <a:r>
-              <a:rPr lang="en-US" altLang="ko-KR" sz="1400" dirty="0"/>
-              <a:t>(GL_ARRAY_BUFFER, VBO);</a:t>
-            </a:r>
-          </a:p>
-          <a:p>
-            <a:r>
-              <a:rPr lang="en-US" altLang="ko-KR" sz="1400" dirty="0" err="1"/>
-              <a:t>glVertexAttribPointer</a:t>
-            </a:r>
-            <a:r>
-              <a:rPr lang="en-US" altLang="ko-KR" sz="1400" dirty="0"/>
-              <a:t>(</a:t>
-            </a:r>
-            <a:r>
-              <a:rPr lang="en-US" altLang="ko-KR" sz="1400" dirty="0" err="1"/>
-              <a:t>positionAttribID</a:t>
-            </a:r>
-            <a:r>
-              <a:rPr lang="en-US" altLang="ko-KR" sz="1400" dirty="0"/>
-              <a:t>, </a:t>
-            </a:r>
-            <a:r>
-              <a:rPr lang="en-US" altLang="ko-KR" sz="1400" dirty="0"/>
-              <a:t>3, GL_FLOAT, GL_FALSE, </a:t>
+              <a:t>, 3, GL_FLOAT, GL_FALSE, </a:t>
             </a:r>
             <a:r>
               <a:rPr lang="en-US" altLang="ko-KR" sz="1400" dirty="0">
@@ -21102,15 +21002,7 @@
             </a:r>
             <a:r>
               <a:rPr lang="en-US" altLang="ko-KR" sz="1400" dirty="0"/>
-              <a:t>, </a:t>
-            </a:r>
-            <a:r>
-              <a:rPr lang="en-US" altLang="ko-KR" sz="1400" dirty="0"/>
-              <a:t>0</a:t>
-            </a:r>
-            <a:r>
-              <a:rPr lang="en-US" altLang="ko-KR" sz="1400" dirty="0"/>
-              <a:t>); </a:t>
+              <a:t>, 0); </a:t>
             </a:r>
           </a:p>
           <a:p>
@@ -21128,11 +21020,7 @@
             </a:r>
             <a:r>
               <a:rPr lang="en-US" altLang="ko-KR" sz="1400" dirty="0"/>
-              <a:t>, 4, </a:t>
-            </a:r>
-            <a:r>
-              <a:rPr lang="en-US" altLang="ko-KR" sz="1400" dirty="0"/>
-              <a:t>GL_FLOAT, GL_FALSE, </a:t>
+              <a:t>, 4, GL_FLOAT, GL_FALSE, </a:t>
             </a:r>
             <a:r>
               <a:rPr lang="en-US" altLang="ko-KR" sz="1400" dirty="0">
@@ -21190,7 +21078,6 @@
               <a:rPr lang="en-US" altLang="ko-KR" sz="1400" dirty="0"/>
               <a:t>);</a:t>
             </a:r>
-            <a:endParaRPr lang="en-US" altLang="ko-KR" sz="1400" dirty="0"/>
           </a:p>
           <a:p>
             <a:endParaRPr lang="en-US" altLang="ko-KR" sz="1400" dirty="0"/>
@@ -21202,11 +21089,7 @@
             </a:r>
             <a:r>
               <a:rPr lang="en-US" altLang="ko-KR" sz="1400" dirty="0"/>
-              <a:t>(GL_TRIANGLES, 0, 3</a:t>
-            </a:r>
-            <a:r>
-              <a:rPr lang="en-US" altLang="ko-KR" sz="1400" dirty="0"/>
-              <a:t>);</a:t>
+              <a:t>(GL_TRIANGLES, 0, 3);</a:t>
             </a:r>
           </a:p>
         </p:txBody>
@@ -21625,7 +21508,7 @@
 </p:sld>
 </file>
 
-<file path=ppt/slides/slide34.xml><?xml version="1.0" encoding="utf-8"?>
+<file path=ppt/slides/slide35.xml><?xml version="1.0" encoding="utf-8"?>
 <p:sld xmlns:a="http://schemas.openxmlformats.org/drawingml/2006/main" xmlns:r="http://schemas.openxmlformats.org/officeDocument/2006/relationships" xmlns:p="http://schemas.openxmlformats.org/presentationml/2006/main">
   <p:cSld>
     <p:spTree>
@@ -22210,15 +22093,7 @@
                   <a:srgbClr val="FF0000"/>
                 </a:solidFill>
               </a:rPr>
-              <a:t>입력 </a:t>
-            </a:r>
-            <a:r>
-              <a:rPr lang="ko-KR" altLang="en-US" dirty="0">
-                <a:solidFill>
-                  <a:srgbClr val="FF0000"/>
-                </a:solidFill>
-              </a:rPr>
-              <a:t>값</a:t>
+              <a:t>입력 값</a:t>
             </a:r>
             <a:endParaRPr lang="en-US" altLang="ko-KR" dirty="0">
               <a:solidFill>
@@ -22271,15 +22146,7 @@
                   <a:srgbClr val="FF0000"/>
                 </a:solidFill>
               </a:rPr>
-              <a:t>입력 </a:t>
-            </a:r>
-            <a:r>
-              <a:rPr lang="ko-KR" altLang="en-US" dirty="0">
-                <a:solidFill>
-                  <a:srgbClr val="FF0000"/>
-                </a:solidFill>
-              </a:rPr>
-              <a:t>값</a:t>
+              <a:t>입력 값</a:t>
             </a:r>
             <a:endParaRPr lang="en-US" altLang="ko-KR" dirty="0">
               <a:solidFill>
@@ -22332,15 +22199,7 @@
                   <a:srgbClr val="FF0000"/>
                 </a:solidFill>
               </a:rPr>
-              <a:t>출력 </a:t>
-            </a:r>
-            <a:r>
-              <a:rPr lang="ko-KR" altLang="en-US" dirty="0">
-                <a:solidFill>
-                  <a:srgbClr val="FF0000"/>
-                </a:solidFill>
-              </a:rPr>
-              <a:t>값</a:t>
+              <a:t>출력 값</a:t>
             </a:r>
             <a:endParaRPr lang="en-US" altLang="ko-KR" dirty="0">
               <a:solidFill>
@@ -22491,15 +22350,7 @@
                   <a:srgbClr val="FF0000"/>
                 </a:solidFill>
               </a:rPr>
-              <a:t>출력 </a:t>
-            </a:r>
-            <a:r>
-              <a:rPr lang="ko-KR" altLang="en-US" dirty="0">
-                <a:solidFill>
-                  <a:srgbClr val="FF0000"/>
-                </a:solidFill>
-              </a:rPr>
-              <a:t>값</a:t>
+              <a:t>출력 값</a:t>
             </a:r>
             <a:endParaRPr lang="en-US" altLang="ko-KR" dirty="0">
               <a:solidFill>
